--- a/production ready code.pptx
+++ b/production ready code.pptx
@@ -17,11 +17,11 @@
     <p:sldId id="272" r:id="rId8"/>
     <p:sldId id="273" r:id="rId9"/>
     <p:sldId id="264" r:id="rId10"/>
-    <p:sldId id="274" r:id="rId11"/>
-    <p:sldId id="278" r:id="rId12"/>
-    <p:sldId id="275" r:id="rId13"/>
-    <p:sldId id="276" r:id="rId14"/>
-    <p:sldId id="277" r:id="rId15"/>
+    <p:sldId id="278" r:id="rId11"/>
+    <p:sldId id="275" r:id="rId12"/>
+    <p:sldId id="276" r:id="rId13"/>
+    <p:sldId id="277" r:id="rId14"/>
+    <p:sldId id="293" r:id="rId15"/>
     <p:sldId id="279" r:id="rId16"/>
     <p:sldId id="280" r:id="rId17"/>
     <p:sldId id="281" r:id="rId18"/>
@@ -858,19 +858,7 @@
             </a:pPr>
             <a:r>
               <a:rPr lang="ru-RU" baseline="0" dirty="0" smtClean="0"/>
-              <a:t>Давайте поговорим </a:t>
-            </a:r>
-            <a:r>
-              <a:rPr lang="ru-RU" baseline="0" dirty="0" smtClean="0"/>
-              <a:t>с вами о том, как </a:t>
-            </a:r>
-            <a:r>
-              <a:rPr lang="ru-RU" baseline="0" dirty="0" smtClean="0"/>
-              <a:t>что такое код, готовый промышленной </a:t>
-            </a:r>
-            <a:r>
-              <a:rPr lang="ru-RU" baseline="0" dirty="0" smtClean="0"/>
-              <a:t>эксплуатации.</a:t>
+              <a:t>Давайте поговорим с вами о том, как что такое код, готовый промышленной эксплуатации.</a:t>
             </a:r>
           </a:p>
           <a:p>
@@ -973,143 +961,20 @@
           <a:bodyPr/>
           <a:lstStyle/>
           <a:p>
-            <a:pPr marL="158750" marR="0" lvl="0" indent="0" algn="l" defTabSz="914400" rtl="0" eaLnBrk="1" fontAlgn="auto" latinLnBrk="0" hangingPunct="1">
-              <a:lnSpc>
-                <a:spcPct val="100000"/>
-              </a:lnSpc>
-              <a:spcBef>
-                <a:spcPts val="0"/>
-              </a:spcBef>
-              <a:spcAft>
-                <a:spcPts val="0"/>
-              </a:spcAft>
-              <a:buClr>
-                <a:srgbClr val="000000"/>
-              </a:buClr>
-              <a:buSzPts val="1100"/>
-              <a:buFont typeface="Arial"/>
-              <a:buNone/>
-              <a:tabLst/>
-              <a:defRPr/>
+            <a:pPr marL="158750" indent="0">
+              <a:buNone/>
             </a:pPr>
             <a:r>
               <a:rPr lang="ru-RU" dirty="0" smtClean="0"/>
-              <a:t>В</a:t>
+              <a:t>Следующий</a:t>
             </a:r>
             <a:r>
               <a:rPr lang="ru-RU" baseline="0" dirty="0" smtClean="0"/>
-              <a:t> качестве примера расскажу вам историю. </a:t>
-            </a:r>
-          </a:p>
-          <a:p>
-            <a:pPr marL="158750" marR="0" lvl="0" indent="0" algn="l" defTabSz="914400" rtl="0" eaLnBrk="1" fontAlgn="auto" latinLnBrk="0" hangingPunct="1">
-              <a:lnSpc>
-                <a:spcPct val="100000"/>
-              </a:lnSpc>
-              <a:spcBef>
-                <a:spcPts val="0"/>
-              </a:spcBef>
-              <a:spcAft>
-                <a:spcPts val="0"/>
-              </a:spcAft>
-              <a:buClr>
-                <a:srgbClr val="000000"/>
-              </a:buClr>
-              <a:buSzPts val="1100"/>
-              <a:buFont typeface="Arial"/>
-              <a:buNone/>
-              <a:tabLst/>
-              <a:defRPr/>
-            </a:pPr>
-            <a:r>
-              <a:rPr lang="ru-RU" baseline="0" dirty="0" smtClean="0"/>
-              <a:t>Как-то м</a:t>
-            </a:r>
-            <a:r>
-              <a:rPr lang="ru-RU" dirty="0" smtClean="0"/>
-              <a:t>ы </a:t>
-            </a:r>
-            <a:r>
-              <a:rPr lang="ru-RU" dirty="0" smtClean="0"/>
-              <a:t>отправляли некоторые запрос через клиент, который</a:t>
-            </a:r>
-            <a:r>
-              <a:rPr lang="ru-RU" baseline="0" dirty="0" smtClean="0"/>
-              <a:t> предоставляет чужая команда. Логика простая, если ответ успешный – выполняем некоторую бизнес логику, если не успешный – </a:t>
+              <a:t> пункт про </a:t>
             </a:r>
             <a:r>
               <a:rPr lang="ru-RU" baseline="0" dirty="0" err="1" smtClean="0"/>
-              <a:t>сериализуем</a:t>
-            </a:r>
-            <a:r>
-              <a:rPr lang="ru-RU" baseline="0" dirty="0" smtClean="0"/>
-              <a:t> в </a:t>
-            </a:r>
-            <a:r>
-              <a:rPr lang="en-US" baseline="0" dirty="0" err="1" smtClean="0"/>
-              <a:t>json</a:t>
-            </a:r>
-            <a:r>
-              <a:rPr lang="en-US" baseline="0" dirty="0" smtClean="0"/>
-              <a:t> </a:t>
-            </a:r>
-            <a:r>
-              <a:rPr lang="ru-RU" baseline="0" dirty="0" smtClean="0"/>
-              <a:t>вот этот объект и сохраняем в </a:t>
-            </a:r>
-            <a:r>
-              <a:rPr lang="ru-RU" baseline="0" dirty="0" smtClean="0"/>
-              <a:t>базу для дальнейшего анализа. </a:t>
-            </a:r>
-            <a:endParaRPr lang="ru-RU" baseline="0" dirty="0" smtClean="0"/>
-          </a:p>
-          <a:p>
-            <a:pPr marL="158750" indent="0">
-              <a:buNone/>
-            </a:pPr>
-            <a:r>
-              <a:rPr lang="ru-RU" dirty="0" smtClean="0"/>
-              <a:t>Внезапно,</a:t>
-            </a:r>
-            <a:r>
-              <a:rPr lang="ru-RU" baseline="0" dirty="0" smtClean="0"/>
-              <a:t> оказалось, что обращение к полю </a:t>
-            </a:r>
-            <a:r>
-              <a:rPr lang="en-US" baseline="0" dirty="0" smtClean="0"/>
-              <a:t>Response </a:t>
-            </a:r>
-            <a:r>
-              <a:rPr lang="ru-RU" baseline="0" dirty="0" smtClean="0"/>
-              <a:t>выбрасывает исключение, в случаях когда код ответа не 2</a:t>
-            </a:r>
-            <a:r>
-              <a:rPr lang="en-US" baseline="0" dirty="0" smtClean="0"/>
-              <a:t>xx</a:t>
-            </a:r>
-            <a:r>
-              <a:rPr lang="ru-RU" baseline="0" dirty="0" smtClean="0"/>
-              <a:t>.  А поскольку </a:t>
-            </a:r>
-            <a:r>
-              <a:rPr lang="ru-RU" baseline="0" dirty="0" err="1" smtClean="0"/>
-              <a:t>сериализатор</a:t>
-            </a:r>
-            <a:r>
-              <a:rPr lang="ru-RU" baseline="0" dirty="0" smtClean="0"/>
-              <a:t> пробегает по всем полям и свойствам, мы ловили это исключение, никак его не обрабатывали и </a:t>
-            </a:r>
-            <a:r>
-              <a:rPr lang="ru-RU" baseline="0" dirty="0" err="1" smtClean="0"/>
-              <a:t>пятисотили</a:t>
-            </a:r>
-            <a:r>
-              <a:rPr lang="ru-RU" baseline="0" dirty="0" smtClean="0"/>
-              <a:t> со страшным </a:t>
-            </a:r>
-            <a:r>
-              <a:rPr lang="ru-RU" baseline="0" dirty="0" err="1" smtClean="0"/>
-              <a:t>стэктрэйсом</a:t>
+              <a:t>ревью</a:t>
             </a:r>
             <a:r>
               <a:rPr lang="ru-RU" baseline="0" dirty="0" smtClean="0"/>
@@ -1122,16 +987,162 @@
             </a:pPr>
             <a:r>
               <a:rPr lang="ru-RU" baseline="0" dirty="0" smtClean="0"/>
-              <a:t>К счастью отловили на тестовой.</a:t>
+              <a:t>Речь конечно же не про</a:t>
+            </a:r>
+            <a:r>
+              <a:rPr lang="en-US" baseline="0" dirty="0" smtClean="0"/>
+              <a:t> UI. </a:t>
+            </a:r>
+            <a:r>
+              <a:rPr lang="ru-RU" baseline="0" dirty="0" smtClean="0"/>
+              <a:t>Речь про то, что на этапе проектирования обсудить архитектуру чрезвычайно полезно. Помимо того, что это эффективный способ обнаружить недостатки системы на этапе проектирования и девшего их исправить, так это еще и чрезвычайно эффективный способ обучения сотрудников.</a:t>
+            </a:r>
+          </a:p>
+          <a:p>
+            <a:pPr marL="158750" indent="0">
+              <a:buNone/>
+            </a:pPr>
+            <a:endParaRPr lang="ru-RU" baseline="0" dirty="0" smtClean="0"/>
+          </a:p>
+          <a:p>
+            <a:pPr marL="158750" indent="0">
+              <a:buNone/>
+            </a:pPr>
+            <a:r>
+              <a:rPr lang="ru-RU" baseline="0" dirty="0" smtClean="0"/>
+              <a:t>Дизайн </a:t>
+            </a:r>
+            <a:r>
+              <a:rPr lang="ru-RU" baseline="0" dirty="0" err="1" smtClean="0"/>
+              <a:t>ревью</a:t>
+            </a:r>
+            <a:r>
+              <a:rPr lang="ru-RU" baseline="0" dirty="0" smtClean="0"/>
+              <a:t> можно проводить и постфактум, даже спустя годы после написания системы, но понятно, что возможностей для исправления там существенно меньше. </a:t>
+            </a:r>
+          </a:p>
+          <a:p>
+            <a:pPr marL="158750" indent="0">
+              <a:buNone/>
+            </a:pPr>
+            <a:r>
+              <a:rPr lang="ru-RU" baseline="0" dirty="0" smtClean="0"/>
+              <a:t>Поэтому пользуйтесь этим инструментом как можно раньше. </a:t>
+            </a:r>
+          </a:p>
+          <a:p>
+            <a:pPr marL="158750" indent="0">
+              <a:buNone/>
+            </a:pPr>
+            <a:endParaRPr lang="ru-RU" baseline="0" dirty="0" smtClean="0"/>
+          </a:p>
+          <a:p>
+            <a:pPr marL="158750" indent="0">
+              <a:buNone/>
+            </a:pPr>
+            <a:r>
+              <a:rPr lang="ru-RU" baseline="0" dirty="0" smtClean="0"/>
+              <a:t>По увеличению дороговизны </a:t>
+            </a:r>
+            <a:r>
+              <a:rPr lang="ru-RU" baseline="0" dirty="0" err="1" smtClean="0"/>
+              <a:t>ревью</a:t>
+            </a:r>
+            <a:r>
+              <a:rPr lang="ru-RU" baseline="0" dirty="0" smtClean="0"/>
+              <a:t> – от бумажки, до формального собрания. Конечно в последнем случае не стоит обсуждать как спроектировать 1,2,3 класса.</a:t>
+            </a:r>
+          </a:p>
+          <a:p>
+            <a:pPr marL="158750" indent="0">
+              <a:buNone/>
+            </a:pPr>
+            <a:endParaRPr lang="ru-RU" baseline="0" dirty="0" smtClean="0"/>
+          </a:p>
+          <a:p>
+            <a:pPr marL="158750" indent="0">
+              <a:buNone/>
+            </a:pPr>
+            <a:r>
+              <a:rPr lang="ru-RU" baseline="0" dirty="0" smtClean="0"/>
+              <a:t>Например у нас есть процедура формального дизайн </a:t>
+            </a:r>
+            <a:r>
+              <a:rPr lang="ru-RU" baseline="0" dirty="0" err="1" smtClean="0"/>
+              <a:t>ревью</a:t>
+            </a:r>
+            <a:r>
+              <a:rPr lang="ru-RU" baseline="0" dirty="0" smtClean="0"/>
+              <a:t>. Конечно тут речь не про классы, а про системы в целом. Но если команда хочет услышать компетентное мнение от других команд или экспертов в области, то может поучаствовать. </a:t>
             </a:r>
             <a:endParaRPr lang="en-US" baseline="0" dirty="0" smtClean="0"/>
+          </a:p>
+          <a:p>
+            <a:pPr marL="158750" indent="0">
+              <a:buNone/>
+            </a:pPr>
+            <a:r>
+              <a:rPr lang="ru-RU" dirty="0" smtClean="0"/>
+              <a:t>Процесс</a:t>
+            </a:r>
+            <a:r>
+              <a:rPr lang="ru-RU" baseline="0" dirty="0" smtClean="0"/>
+              <a:t> построен таким образом</a:t>
+            </a:r>
+            <a:r>
+              <a:rPr lang="en-US" baseline="0" dirty="0" smtClean="0"/>
+              <a:t>: </a:t>
+            </a:r>
+            <a:r>
+              <a:rPr lang="ru-RU" baseline="0" dirty="0" smtClean="0"/>
+              <a:t>за пару недель до самого </a:t>
+            </a:r>
+            <a:r>
+              <a:rPr lang="ru-RU" baseline="0" dirty="0" err="1" smtClean="0"/>
+              <a:t>ревью</a:t>
+            </a:r>
+            <a:r>
+              <a:rPr lang="ru-RU" baseline="0" dirty="0" smtClean="0"/>
+              <a:t> чуваки закидывают тему и на внутреннем портале народ может записываться в </a:t>
+            </a:r>
+            <a:r>
+              <a:rPr lang="ru-RU" baseline="0" dirty="0" err="1" smtClean="0"/>
+              <a:t>ревьюеры</a:t>
+            </a:r>
+            <a:r>
+              <a:rPr lang="ru-RU" baseline="0" dirty="0" smtClean="0"/>
+              <a:t>. Это строго по желанию. Также выбирается человек, который сделает отчет. + записывается видео.</a:t>
+            </a:r>
+          </a:p>
+          <a:p>
+            <a:pPr marL="158750" indent="0">
+              <a:buNone/>
+            </a:pPr>
+            <a:r>
+              <a:rPr lang="ru-RU" baseline="0" dirty="0" smtClean="0"/>
+              <a:t>На дизайн </a:t>
+            </a:r>
+            <a:r>
+              <a:rPr lang="ru-RU" baseline="0" dirty="0" err="1" smtClean="0"/>
+              <a:t>ревью</a:t>
+            </a:r>
+            <a:r>
+              <a:rPr lang="ru-RU" baseline="0" dirty="0" smtClean="0"/>
+              <a:t> могут прийти с идеей, могут прийти с готовым решением, тут никаких ограничений.</a:t>
+            </a:r>
+          </a:p>
+          <a:p>
+            <a:pPr marL="158750" indent="0">
+              <a:buNone/>
+            </a:pPr>
+            <a:endParaRPr lang="ru-RU" baseline="0" dirty="0" smtClean="0"/>
           </a:p>
         </p:txBody>
       </p:sp>
     </p:spTree>
     <p:extLst>
       <p:ext uri="{BB962C8B-B14F-4D97-AF65-F5344CB8AC3E}">
-        <p14:creationId xmlns:p14="http://schemas.microsoft.com/office/powerpoint/2010/main" val="2425477984"/>
+        <p14:creationId xmlns:p14="http://schemas.microsoft.com/office/powerpoint/2010/main" val="1592725167"/>
       </p:ext>
     </p:extLst>
   </p:cSld>
@@ -1194,12 +1205,8 @@
               <a:buNone/>
             </a:pPr>
             <a:r>
-              <a:rPr lang="ru-RU" dirty="0" smtClean="0"/>
-              <a:t>Следующий</a:t>
-            </a:r>
-            <a:r>
               <a:rPr lang="ru-RU" baseline="0" dirty="0" smtClean="0"/>
-              <a:t> пункт про </a:t>
+              <a:t>Вот буквально на прошлой неделе прошло очередное дизайн </a:t>
             </a:r>
             <a:r>
               <a:rPr lang="ru-RU" baseline="0" dirty="0" err="1" smtClean="0"/>
@@ -1207,198 +1214,56 @@
             </a:r>
             <a:r>
               <a:rPr lang="ru-RU" baseline="0" dirty="0" smtClean="0"/>
-              <a:t>. </a:t>
-            </a:r>
+              <a:t> от моей </a:t>
+            </a:r>
+            <a:r>
+              <a:rPr lang="ru-RU" baseline="0" dirty="0" smtClean="0"/>
+              <a:t>бывшей команды. </a:t>
+            </a:r>
+            <a:endParaRPr lang="ru-RU" baseline="0" dirty="0" smtClean="0"/>
           </a:p>
           <a:p>
             <a:pPr marL="158750" indent="0">
               <a:buNone/>
             </a:pPr>
+            <a:endParaRPr lang="ru-RU" baseline="0" dirty="0" smtClean="0"/>
+          </a:p>
+          <a:p>
+            <a:pPr marL="158750" indent="0">
+              <a:buNone/>
+            </a:pPr>
             <a:r>
               <a:rPr lang="ru-RU" baseline="0" dirty="0" smtClean="0"/>
-              <a:t>Речь конечно же не про</a:t>
+              <a:t>Перед ребятами встала проблема,</a:t>
             </a:r>
             <a:r>
               <a:rPr lang="en-US" baseline="0" dirty="0" smtClean="0"/>
-              <a:t> UI. </a:t>
+              <a:t> </a:t>
             </a:r>
             <a:r>
               <a:rPr lang="ru-RU" baseline="0" dirty="0" smtClean="0"/>
-              <a:t>Речь про то, что на этапе проектирования обсудить архитектуру чрезвычайно полезно. Помимо того, что это эффективный способ обнаружить недостатки системы на этапе проектирования и девшего их исправить, так это еще и чрезвычайно эффективный способ обучения сотрудников.</a:t>
-            </a:r>
-          </a:p>
-          <a:p>
-            <a:pPr marL="158750" indent="0">
-              <a:buNone/>
-            </a:pPr>
-            <a:endParaRPr lang="ru-RU" baseline="0" dirty="0" smtClean="0"/>
-          </a:p>
-          <a:p>
-            <a:pPr marL="158750" indent="0">
-              <a:buNone/>
-            </a:pPr>
+              <a:t>что </a:t>
+            </a:r>
             <a:r>
               <a:rPr lang="ru-RU" baseline="0" dirty="0" smtClean="0"/>
-              <a:t>Дизайн </a:t>
+              <a:t>в их сервисе есть некоторые задачи, которые состоят из множества шагов, каждый из которых может быть весьма длительным. А сами эти задачи часто выполняются большими пачками. Просто </a:t>
             </a:r>
             <a:r>
               <a:rPr lang="ru-RU" baseline="0" dirty="0" err="1" smtClean="0"/>
-              <a:t>ревью</a:t>
+              <a:t>некорретно</a:t>
             </a:r>
             <a:r>
               <a:rPr lang="ru-RU" baseline="0" dirty="0" smtClean="0"/>
-              <a:t> можно проводить и постфактум, даже спустя годы после написания системы, но понятно, что возможностей для исправления там существенно меньше. </a:t>
-            </a:r>
-          </a:p>
-          <a:p>
-            <a:pPr marL="158750" indent="0">
-              <a:buNone/>
-            </a:pPr>
-            <a:r>
-              <a:rPr lang="ru-RU" baseline="0" dirty="0" smtClean="0"/>
-              <a:t>Поэтому пользуйтесь этим инструментом как можно раньше. </a:t>
-            </a:r>
-          </a:p>
-          <a:p>
-            <a:pPr marL="158750" indent="0">
-              <a:buNone/>
-            </a:pPr>
-            <a:endParaRPr lang="ru-RU" baseline="0" dirty="0" smtClean="0"/>
-          </a:p>
-          <a:p>
-            <a:pPr marL="158750" indent="0">
-              <a:buNone/>
-            </a:pPr>
-            <a:r>
-              <a:rPr lang="ru-RU" baseline="0" dirty="0" smtClean="0"/>
-              <a:t>По </a:t>
-            </a:r>
-            <a:r>
-              <a:rPr lang="ru-RU" baseline="0" dirty="0" smtClean="0"/>
-              <a:t>увеличению дороговизны </a:t>
-            </a:r>
-            <a:r>
-              <a:rPr lang="ru-RU" baseline="0" dirty="0" err="1" smtClean="0"/>
-              <a:t>ревью</a:t>
-            </a:r>
-            <a:r>
-              <a:rPr lang="ru-RU" baseline="0" dirty="0" smtClean="0"/>
-              <a:t> – от бумажки, до формального собрания. </a:t>
-            </a:r>
-            <a:r>
-              <a:rPr lang="ru-RU" baseline="0" dirty="0" smtClean="0"/>
-              <a:t>Конечно в последнем случае не стоит обсуждать как спроектировать 1,2,3 класса.</a:t>
-            </a:r>
-            <a:endParaRPr lang="ru-RU" baseline="0" dirty="0" smtClean="0"/>
-          </a:p>
-          <a:p>
-            <a:pPr marL="158750" indent="0">
-              <a:buNone/>
-            </a:pPr>
-            <a:r>
-              <a:rPr lang="ru-RU" baseline="0" dirty="0" smtClean="0"/>
-              <a:t>Например у нас есть процедура формального дизайн </a:t>
-            </a:r>
-            <a:r>
-              <a:rPr lang="ru-RU" baseline="0" dirty="0" err="1" smtClean="0"/>
-              <a:t>ревью</a:t>
-            </a:r>
-            <a:r>
-              <a:rPr lang="ru-RU" baseline="0" dirty="0" smtClean="0"/>
-              <a:t>. Конечно тут речь не про классы, а про системы в целом. Но если команда хочет услышать компетентное мнение от других команд или экспертов в области, то может поучаствовать. </a:t>
+              <a:t> выполнять запрос на выставление тысячи счетов пользователям в самом сервисе, потому что этот запрос займет час времени.</a:t>
             </a:r>
             <a:endParaRPr lang="en-US" baseline="0" dirty="0" smtClean="0"/>
-          </a:p>
-          <a:p>
-            <a:pPr marL="158750" indent="0">
-              <a:buNone/>
-            </a:pPr>
-            <a:endParaRPr lang="ru-RU" baseline="0" dirty="0" smtClean="0"/>
-          </a:p>
-          <a:p>
-            <a:pPr marL="158750" indent="0">
-              <a:buNone/>
-            </a:pPr>
-            <a:r>
-              <a:rPr lang="ru-RU" baseline="0" dirty="0" smtClean="0"/>
-              <a:t>Например, у нас есть процедура формального дизайн </a:t>
-            </a:r>
-            <a:r>
-              <a:rPr lang="ru-RU" baseline="0" dirty="0" err="1" smtClean="0"/>
-              <a:t>ревью</a:t>
-            </a:r>
-            <a:r>
-              <a:rPr lang="ru-RU" baseline="0" dirty="0" smtClean="0"/>
-              <a:t>.</a:t>
-            </a:r>
-            <a:endParaRPr lang="ru-RU" baseline="0" dirty="0" smtClean="0"/>
-          </a:p>
-          <a:p>
-            <a:pPr marL="158750" indent="0">
-              <a:buNone/>
-            </a:pPr>
-            <a:r>
-              <a:rPr lang="ru-RU" dirty="0" smtClean="0"/>
-              <a:t>Процесс</a:t>
-            </a:r>
-            <a:r>
-              <a:rPr lang="ru-RU" baseline="0" dirty="0" smtClean="0"/>
-              <a:t> построен таким образом</a:t>
-            </a:r>
-            <a:r>
-              <a:rPr lang="en-US" baseline="0" dirty="0" smtClean="0"/>
-              <a:t>: </a:t>
-            </a:r>
-            <a:r>
-              <a:rPr lang="ru-RU" baseline="0" dirty="0" smtClean="0"/>
-              <a:t>за пару недель до самого </a:t>
-            </a:r>
-            <a:r>
-              <a:rPr lang="ru-RU" baseline="0" dirty="0" err="1" smtClean="0"/>
-              <a:t>ревью</a:t>
-            </a:r>
-            <a:r>
-              <a:rPr lang="ru-RU" baseline="0" dirty="0" smtClean="0"/>
-              <a:t> чуваки закидывают тему и на внутреннем портале народ может записываться в </a:t>
-            </a:r>
-            <a:r>
-              <a:rPr lang="ru-RU" baseline="0" dirty="0" err="1" smtClean="0"/>
-              <a:t>ревьюеры</a:t>
-            </a:r>
-            <a:r>
-              <a:rPr lang="ru-RU" baseline="0" dirty="0" smtClean="0"/>
-              <a:t>. Это строго по желанию. Также выбирается человек, который сделает отчет. + записывается видео.</a:t>
-            </a:r>
-          </a:p>
-          <a:p>
-            <a:pPr marL="158750" indent="0">
-              <a:buNone/>
-            </a:pPr>
-            <a:r>
-              <a:rPr lang="ru-RU" baseline="0" dirty="0" smtClean="0"/>
-              <a:t>На дизайн </a:t>
-            </a:r>
-            <a:r>
-              <a:rPr lang="ru-RU" baseline="0" dirty="0" err="1" smtClean="0"/>
-              <a:t>ревью</a:t>
-            </a:r>
-            <a:r>
-              <a:rPr lang="ru-RU" baseline="0" dirty="0" smtClean="0"/>
-              <a:t> могут прийти с идеей, могут прийти с готовым решением, тут никаких ограничений.</a:t>
-            </a:r>
-          </a:p>
-          <a:p>
-            <a:pPr marL="158750" indent="0">
-              <a:buNone/>
-            </a:pPr>
-            <a:endParaRPr lang="ru-RU" baseline="0" dirty="0" smtClean="0"/>
           </a:p>
         </p:txBody>
       </p:sp>
     </p:spTree>
     <p:extLst>
       <p:ext uri="{BB962C8B-B14F-4D97-AF65-F5344CB8AC3E}">
-        <p14:creationId xmlns:p14="http://schemas.microsoft.com/office/powerpoint/2010/main" val="1592725167"/>
+        <p14:creationId xmlns:p14="http://schemas.microsoft.com/office/powerpoint/2010/main" val="1025950193"/>
       </p:ext>
     </p:extLst>
   </p:cSld>
@@ -1461,12 +1326,8 @@
               <a:buNone/>
             </a:pPr>
             <a:r>
-              <a:rPr lang="ru-RU" baseline="0" dirty="0" smtClean="0"/>
-              <a:t>Тут </a:t>
-            </a:r>
-            <a:r>
-              <a:rPr lang="ru-RU" baseline="0" dirty="0" smtClean="0"/>
-              <a:t>приведен пример отчета. </a:t>
+              <a:rPr lang="ru-RU" b="0" dirty="0" smtClean="0"/>
+              <a:t>Понятно, что в общем случае такая задача решается очередью задач. Но тут есть множество нюансов. </a:t>
             </a:r>
           </a:p>
           <a:p>
@@ -1474,30 +1335,21 @@
               <a:buNone/>
             </a:pPr>
             <a:r>
-              <a:rPr lang="ru-RU" baseline="0" dirty="0" smtClean="0"/>
-              <a:t>На первый странице какая-то вводная</a:t>
-            </a:r>
-            <a:r>
-              <a:rPr lang="ru-RU" baseline="0" dirty="0" smtClean="0"/>
-              <a:t>. </a:t>
-            </a:r>
-          </a:p>
-          <a:p>
-            <a:pPr marL="158750" indent="0">
-              <a:buNone/>
-            </a:pPr>
-            <a:r>
-              <a:rPr lang="ru-RU" baseline="0" dirty="0" smtClean="0"/>
-              <a:t>В данном случае, парни пришли с проблемой в давно существующем сервисе. Тут приведены какие-то цифры.</a:t>
-            </a:r>
-            <a:endParaRPr lang="ru-RU" baseline="0" dirty="0" smtClean="0"/>
+              <a:rPr lang="ru-RU" b="0" dirty="0" smtClean="0"/>
+              <a:t>Все</a:t>
+            </a:r>
+            <a:r>
+              <a:rPr lang="ru-RU" b="0" baseline="0" dirty="0" smtClean="0"/>
+              <a:t> требования приведены на этом слайде.</a:t>
+            </a:r>
+            <a:endParaRPr lang="ru-RU" b="0" dirty="0"/>
           </a:p>
         </p:txBody>
       </p:sp>
     </p:spTree>
     <p:extLst>
       <p:ext uri="{BB962C8B-B14F-4D97-AF65-F5344CB8AC3E}">
-        <p14:creationId xmlns:p14="http://schemas.microsoft.com/office/powerpoint/2010/main" val="1025950193"/>
+        <p14:creationId xmlns:p14="http://schemas.microsoft.com/office/powerpoint/2010/main" val="3497766859"/>
       </p:ext>
     </p:extLst>
   </p:cSld>
@@ -1561,32 +1413,20 @@
             </a:pPr>
             <a:r>
               <a:rPr lang="ru-RU" dirty="0" smtClean="0"/>
-              <a:t>Тут продолжается вводная,</a:t>
+              <a:t>Описано,</a:t>
             </a:r>
             <a:r>
               <a:rPr lang="ru-RU" baseline="0" dirty="0" smtClean="0"/>
-              <a:t> описаны некоторые особенности текущей архитектуры </a:t>
-            </a:r>
-            <a:r>
-              <a:rPr lang="ru-RU" baseline="0" dirty="0" smtClean="0"/>
-              <a:t>и </a:t>
-            </a:r>
-            <a:r>
-              <a:rPr lang="ru-RU" b="1" baseline="0" dirty="0" smtClean="0"/>
-              <a:t>описана </a:t>
-            </a:r>
-            <a:r>
-              <a:rPr lang="ru-RU" b="1" baseline="0" dirty="0" smtClean="0"/>
-              <a:t>проблема.</a:t>
-            </a:r>
-            <a:endParaRPr lang="ru-RU" b="1" dirty="0"/>
+              <a:t> какие варианты уже рассматривали, их плюсы и минусы.</a:t>
+            </a:r>
+            <a:endParaRPr lang="ru-RU" dirty="0"/>
           </a:p>
         </p:txBody>
       </p:sp>
     </p:spTree>
     <p:extLst>
       <p:ext uri="{BB962C8B-B14F-4D97-AF65-F5344CB8AC3E}">
-        <p14:creationId xmlns:p14="http://schemas.microsoft.com/office/powerpoint/2010/main" val="3497766859"/>
+        <p14:creationId xmlns:p14="http://schemas.microsoft.com/office/powerpoint/2010/main" val="1082068315"/>
       </p:ext>
     </p:extLst>
   </p:cSld>
@@ -1650,7 +1490,11 @@
             </a:pPr>
             <a:r>
               <a:rPr lang="ru-RU" dirty="0" smtClean="0"/>
-              <a:t>Тут собраны рекомендации, которые ребята получили.</a:t>
+              <a:t>И</a:t>
+            </a:r>
+            <a:r>
+              <a:rPr lang="ru-RU" baseline="0" dirty="0" smtClean="0"/>
+              <a:t> в конце отчета предложения и план действий. </a:t>
             </a:r>
           </a:p>
           <a:p>
@@ -1658,20 +1502,24 @@
               <a:buNone/>
             </a:pPr>
             <a:r>
-              <a:rPr lang="ru-RU" dirty="0" smtClean="0"/>
-              <a:t>В силу того, что они принесли</a:t>
-            </a:r>
-            <a:r>
               <a:rPr lang="ru-RU" baseline="0" dirty="0" smtClean="0"/>
-              <a:t> давно работающее в </a:t>
+              <a:t>Решили не писать свой велосипед, а взять библиотеку от другой команды и либо </a:t>
             </a:r>
             <a:r>
               <a:rPr lang="ru-RU" baseline="0" dirty="0" err="1" smtClean="0"/>
-              <a:t>продакшене</a:t>
+              <a:t>заиспользовать</a:t>
             </a:r>
             <a:r>
               <a:rPr lang="ru-RU" baseline="0" dirty="0" smtClean="0"/>
-              <a:t> решение, переписать все с нуля никто не предлагает.</a:t>
+              <a:t> ее целиком, либо </a:t>
+            </a:r>
+            <a:r>
+              <a:rPr lang="ru-RU" baseline="0" dirty="0" err="1" smtClean="0"/>
+              <a:t>переиспользовать</a:t>
+            </a:r>
+            <a:r>
+              <a:rPr lang="ru-RU" baseline="0" dirty="0" smtClean="0"/>
+              <a:t> код.</a:t>
             </a:r>
             <a:endParaRPr lang="ru-RU" dirty="0"/>
           </a:p>
@@ -1680,7 +1528,7 @@
     </p:spTree>
     <p:extLst>
       <p:ext uri="{BB962C8B-B14F-4D97-AF65-F5344CB8AC3E}">
-        <p14:creationId xmlns:p14="http://schemas.microsoft.com/office/powerpoint/2010/main" val="1082068315"/>
+        <p14:creationId xmlns:p14="http://schemas.microsoft.com/office/powerpoint/2010/main" val="847950276"/>
       </p:ext>
     </p:extLst>
   </p:cSld>
@@ -1979,23 +1827,35 @@
             </a:pPr>
             <a:r>
               <a:rPr lang="ru-RU" baseline="0" dirty="0" smtClean="0"/>
-              <a:t>Если </a:t>
-            </a:r>
-            <a:r>
-              <a:rPr lang="ru-RU" baseline="0" dirty="0" smtClean="0"/>
-              <a:t>вы примите за правило следующий тезис, то вы кратно повысите качество кода.</a:t>
+              <a:t>Если вы примите за правило следующий тезис, то вы кратно повысите качество кода.</a:t>
             </a:r>
             <a:r>
               <a:rPr lang="en-US" baseline="0" dirty="0" smtClean="0"/>
               <a:t> </a:t>
             </a:r>
             <a:r>
-              <a:rPr lang="en-US" b="1" baseline="0" dirty="0" smtClean="0"/>
+              <a:rPr lang="ru-RU" baseline="0" dirty="0" smtClean="0"/>
+              <a:t> </a:t>
+            </a:r>
+            <a:r>
+              <a:rPr lang="en-US" baseline="0" dirty="0" smtClean="0"/>
               <a:t>“</a:t>
             </a:r>
             <a:r>
+              <a:rPr lang="ru-RU" b="1" baseline="0" dirty="0" smtClean="0"/>
+              <a:t>Если код не протестирован, он сломан. И такой </a:t>
+            </a:r>
+            <a:r>
+              <a:rPr lang="ru-RU" b="1" baseline="0" dirty="0" smtClean="0"/>
+              <a:t>код</a:t>
+            </a:r>
+            <a:r>
               <a:rPr lang="ru-RU" b="1" dirty="0" smtClean="0"/>
-              <a:t>Код не покрытый тестами не должен идти в </a:t>
+              <a:t> </a:t>
+            </a:r>
+            <a:r>
+              <a:rPr lang="ru-RU" b="1" dirty="0" smtClean="0"/>
+              <a:t>не должен идти в </a:t>
             </a:r>
             <a:r>
               <a:rPr lang="ru-RU" b="1" dirty="0" err="1" smtClean="0"/>
@@ -2043,11 +1903,7 @@
             </a:r>
             <a:r>
               <a:rPr lang="ru-RU" baseline="0" dirty="0" smtClean="0"/>
-              <a:t> и напиши. </a:t>
-            </a:r>
-            <a:r>
-              <a:rPr lang="ru-RU" baseline="0" dirty="0" smtClean="0"/>
-              <a:t>Нет возможности </a:t>
+              <a:t> и напиши. Нет возможности </a:t>
             </a:r>
             <a:r>
               <a:rPr lang="ru-RU" baseline="0" dirty="0" err="1" smtClean="0"/>
@@ -2055,11 +1911,7 @@
             </a:r>
             <a:r>
               <a:rPr lang="ru-RU" baseline="0" dirty="0" smtClean="0"/>
-              <a:t> – </a:t>
-            </a:r>
-            <a:r>
-              <a:rPr lang="ru-RU" baseline="0" dirty="0" smtClean="0"/>
-              <a:t>напиши функциональные тесты. Да хоть тесты на </a:t>
+              <a:t> – напиши функциональные тесты. Да хоть тесты на </a:t>
             </a:r>
             <a:r>
               <a:rPr lang="en-US" baseline="0" dirty="0" err="1" smtClean="0"/>
@@ -2076,11 +1928,7 @@
             </a:pPr>
             <a:r>
               <a:rPr lang="ru-RU" baseline="0" dirty="0" smtClean="0"/>
-              <a:t>Не </a:t>
-            </a:r>
-            <a:r>
-              <a:rPr lang="ru-RU" baseline="0" dirty="0" smtClean="0"/>
-              <a:t>умеете писать тесты – наймите того, кто умеет. Отправьте команду на тренинг, или </a:t>
+              <a:t>Не умеете писать тесты – наймите того, кто умеет. Отправьте команду на тренинг, или </a:t>
             </a:r>
             <a:r>
               <a:rPr lang="en-US" baseline="0" dirty="0" smtClean="0"/>
@@ -2096,26 +1944,8 @@
             </a:r>
             <a:r>
               <a:rPr lang="ru-RU" baseline="0" dirty="0" smtClean="0"/>
-              <a:t>Это самое ценное вложение времени и </a:t>
-            </a:r>
-            <a:r>
-              <a:rPr lang="ru-RU" baseline="0" dirty="0" smtClean="0"/>
-              <a:t>денег.</a:t>
-            </a:r>
-          </a:p>
-          <a:p>
-            <a:pPr marL="158750" indent="0">
-              <a:buNone/>
-            </a:pPr>
-            <a:r>
-              <a:rPr lang="ru-RU" baseline="0" dirty="0" smtClean="0"/>
-              <a:t>А </a:t>
-            </a:r>
-            <a:r>
-              <a:rPr lang="ru-RU" baseline="0" dirty="0" smtClean="0"/>
-              <a:t>если вам не дают время на написание тестов – ну, просто не спрашивайте, пишите.</a:t>
-            </a:r>
-            <a:endParaRPr lang="en-US" baseline="0" dirty="0" smtClean="0"/>
+              <a:t>Это самое ценное вложение времени и денег.</a:t>
+            </a:r>
           </a:p>
           <a:p>
             <a:pPr marL="0" lvl="0" indent="0" rtl="0">
@@ -2242,11 +2072,7 @@
             </a:r>
             <a:r>
               <a:rPr lang="ru-RU" baseline="0" dirty="0" smtClean="0"/>
-              <a:t> к самому неочевидному </a:t>
-            </a:r>
-            <a:r>
-              <a:rPr lang="ru-RU" baseline="0" dirty="0" smtClean="0"/>
-              <a:t>пункту.</a:t>
+              <a:t> к самому неочевидному пункту.</a:t>
             </a:r>
           </a:p>
           <a:p>
@@ -2260,7 +2086,23 @@
             </a:r>
             <a:r>
               <a:rPr lang="ru-RU" dirty="0" smtClean="0"/>
-              <a:t>найти пищу для размышлений - "а что если клиент сделает вот так..."</a:t>
+              <a:t>найти пищу для размышлений - "а что если клиент сделает как-то вот так...«. Это еще</a:t>
+            </a:r>
+            <a:r>
+              <a:rPr lang="ru-RU" baseline="0" dirty="0" smtClean="0"/>
+              <a:t> одно </a:t>
+            </a:r>
+            <a:r>
+              <a:rPr lang="ru-RU" dirty="0" smtClean="0"/>
+              <a:t>дополнительное </a:t>
+            </a:r>
+            <a:r>
+              <a:rPr lang="ru-RU" dirty="0" err="1" smtClean="0"/>
+              <a:t>ревью</a:t>
+            </a:r>
+            <a:r>
+              <a:rPr lang="ru-RU" dirty="0" smtClean="0"/>
+              <a:t>.</a:t>
             </a:r>
             <a:endParaRPr lang="ru-RU" baseline="0" dirty="0" smtClean="0"/>
           </a:p>
@@ -2271,19 +2113,7 @@
             </a:pPr>
             <a:r>
               <a:rPr lang="ru-RU" baseline="0" dirty="0" smtClean="0"/>
-              <a:t>Сокращает </a:t>
-            </a:r>
-            <a:r>
-              <a:rPr lang="ru-RU" baseline="0" dirty="0" smtClean="0"/>
-              <a:t>время на интеграции, потому что вы не 20 раз письмом отвечаете как встроить ваш </a:t>
-            </a:r>
-            <a:r>
-              <a:rPr lang="ru-RU" baseline="0" dirty="0" err="1" smtClean="0"/>
-              <a:t>виджет</a:t>
-            </a:r>
-            <a:r>
-              <a:rPr lang="ru-RU" baseline="0" dirty="0" smtClean="0"/>
-              <a:t> в чужой сервис, а ссылку кидаете. </a:t>
+              <a:t>Сокращает время на интеграции, потому что люди перед тем как приходить к вам с вопросами скорее всего прочитают документацию, и потратят существенно меньше вашего времени. </a:t>
             </a:r>
           </a:p>
           <a:p>
@@ -2293,28 +2123,9 @@
             </a:pPr>
             <a:r>
               <a:rPr lang="ru-RU" baseline="0" dirty="0" smtClean="0"/>
-              <a:t>Обучение новичков – ну банально, погрузиться в предметную область, разобраться с функциональными возможностями. Кто говорит что код лучший источник знаний тот либо идиот, либо больших проектов в своей жизни не видел. </a:t>
-            </a:r>
-            <a:r>
-              <a:rPr lang="en-US" baseline="0" dirty="0" smtClean="0"/>
-              <a:t>(</a:t>
-            </a:r>
-            <a:r>
-              <a:rPr lang="ru-RU" baseline="0" dirty="0" smtClean="0"/>
-              <a:t>Из примеров – нужна была интеграция с одним проектом – я поехал в </a:t>
-            </a:r>
-            <a:r>
-              <a:rPr lang="ru-RU" baseline="0" dirty="0" err="1" smtClean="0"/>
-              <a:t>Екб</a:t>
-            </a:r>
-            <a:r>
-              <a:rPr lang="ru-RU" baseline="0" dirty="0" smtClean="0"/>
-              <a:t> на 3 недели работать с парнями в одном кабинете, это плохой пример.</a:t>
-            </a:r>
-            <a:r>
-              <a:rPr lang="en-US" baseline="0" dirty="0" smtClean="0"/>
-              <a:t>)</a:t>
-            </a:r>
+              <a:t>Обучение новичков – ну банально, погрузиться в предметную область, разобраться с функциональными возможностями проще по документации чем по миллионам строк кода. </a:t>
+            </a:r>
+            <a:endParaRPr lang="en-US" baseline="0" dirty="0" smtClean="0"/>
           </a:p>
         </p:txBody>
       </p:sp>
@@ -2470,6 +2281,14 @@
               <a:buNone/>
             </a:pPr>
             <a:r>
+              <a:rPr lang="ru-RU" b="1" baseline="0" dirty="0" smtClean="0"/>
+              <a:t>Вопрос в зал</a:t>
+            </a:r>
+            <a:r>
+              <a:rPr lang="en-US" b="1" baseline="0" dirty="0" smtClean="0"/>
+              <a:t>: </a:t>
+            </a:r>
+            <a:r>
               <a:rPr lang="ru-RU" baseline="0" dirty="0" smtClean="0"/>
               <a:t>Ваши предположения</a:t>
             </a:r>
@@ -2639,7 +2458,15 @@
             </a:pPr>
             <a:r>
               <a:rPr lang="ru-RU" baseline="0" dirty="0" smtClean="0"/>
-              <a:t>Поэтому вот список, если этого у вас нет, вы по сути слепы. Вы не знаете как у вас работает сервис. </a:t>
+              <a:t>Поэтому вот список </a:t>
+            </a:r>
+            <a:r>
+              <a:rPr lang="en-US" baseline="0" dirty="0" smtClean="0"/>
+              <a:t>must have</a:t>
+            </a:r>
+            <a:r>
+              <a:rPr lang="ru-RU" baseline="0" dirty="0" smtClean="0"/>
+              <a:t> вещей для вашего сервиса, если этого у вас нет, вы по сути слепы. Вы не знаете как у вас работает сервис. </a:t>
             </a:r>
           </a:p>
           <a:p>
@@ -2943,7 +2770,7 @@
             </a:r>
             <a:r>
               <a:rPr lang="ru-RU" baseline="0" dirty="0" err="1" smtClean="0"/>
-              <a:t>мертик</a:t>
+              <a:t>мертики</a:t>
             </a:r>
             <a:r>
               <a:rPr lang="ru-RU" baseline="0" dirty="0" smtClean="0"/>
@@ -2991,7 +2818,7 @@
             </a:r>
             <a:r>
               <a:rPr lang="ru-RU" baseline="0" dirty="0" smtClean="0"/>
-              <a:t>. Я тут заменил звездочкой, там еще имя самого сервиса и имя машины еще обычно идет. </a:t>
+              <a:t>. Имя машины. Дальше идет название самой метрики. В данном случае – количество входящих в шину событий. Вроде понятно. </a:t>
             </a:r>
           </a:p>
           <a:p>
@@ -3000,82 +2827,44 @@
             </a:pPr>
             <a:r>
               <a:rPr lang="ru-RU" baseline="0" dirty="0" smtClean="0"/>
-              <a:t>Дальше идет название самой метрики. В данном случае – количество входящих в шину событий. Вроде понятно. </a:t>
+              <a:t>И в конце имя сервиса, который это событие отправил. Ну нам на самом деле нас просто интересует распределение по клиентам, а не общий поток. Поэтому оно тут есть. </a:t>
             </a:r>
           </a:p>
           <a:p>
             <a:pPr marL="158750" indent="0">
               <a:buNone/>
             </a:pPr>
+            <a:endParaRPr lang="ru-RU" baseline="0" dirty="0" smtClean="0"/>
+          </a:p>
+          <a:p>
+            <a:pPr marL="158750" indent="0">
+              <a:buNone/>
+            </a:pPr>
             <a:r>
               <a:rPr lang="ru-RU" baseline="0" dirty="0" smtClean="0"/>
-              <a:t>И </a:t>
-            </a:r>
+              <a:t>Дальше у нас идет время, когда она была отправлена</a:t>
+            </a:r>
+            <a:r>
+              <a:rPr lang="en-US" baseline="0" dirty="0" smtClean="0"/>
+              <a:t>.</a:t>
+            </a:r>
+            <a:endParaRPr lang="ru-RU" baseline="0" dirty="0" smtClean="0"/>
+          </a:p>
+          <a:p>
+            <a:pPr marL="158750" indent="0">
+              <a:buNone/>
+            </a:pPr>
+            <a:endParaRPr lang="ru-RU" baseline="0" dirty="0" smtClean="0"/>
+          </a:p>
+          <a:p>
+            <a:pPr marL="158750" indent="0">
+              <a:buNone/>
+            </a:pPr>
             <a:r>
               <a:rPr lang="ru-RU" baseline="0" dirty="0" smtClean="0"/>
-              <a:t>в конце имя сервиса, который это событие отправил. Ну нам на самом деле нас просто интересует распределение по клиентам, а не общий поток. Поэтому оно тут есть. </a:t>
-            </a:r>
-          </a:p>
-          <a:p>
-            <a:pPr marL="158750" indent="0">
-              <a:buNone/>
-            </a:pPr>
-            <a:endParaRPr lang="ru-RU" baseline="0" dirty="0" smtClean="0"/>
-          </a:p>
-          <a:p>
-            <a:pPr marL="158750" indent="0">
-              <a:buNone/>
-            </a:pPr>
-            <a:r>
-              <a:rPr lang="ru-RU" baseline="0" dirty="0" smtClean="0"/>
-              <a:t>Дальше </a:t>
-            </a:r>
-            <a:r>
-              <a:rPr lang="ru-RU" baseline="0" dirty="0" smtClean="0"/>
-              <a:t>у нас идет время, когда она была отправлена. Мы обычно раз в минуту отправляем, поэтому вы видите цифры за предыдущую минуту. </a:t>
-            </a:r>
-          </a:p>
-          <a:p>
-            <a:pPr marL="158750" indent="0">
-              <a:buNone/>
-            </a:pPr>
-            <a:r>
-              <a:rPr lang="ru-RU" baseline="0" dirty="0" smtClean="0"/>
-              <a:t>Ну и последний столбец – это значение. </a:t>
-            </a:r>
-          </a:p>
-          <a:p>
-            <a:pPr marL="158750" indent="0">
-              <a:buNone/>
-            </a:pPr>
-            <a:endParaRPr lang="ru-RU" baseline="0" dirty="0" smtClean="0"/>
-          </a:p>
-          <a:p>
-            <a:pPr marL="158750" indent="0">
-              <a:buNone/>
-            </a:pPr>
-            <a:r>
-              <a:rPr lang="ru-RU" baseline="0" dirty="0" smtClean="0"/>
-              <a:t>Как это работает. Сервис в течение минуты собирает некоторую информацию у себя и раз в минуту отправляет пачку данных в сервис для сбора метрик. </a:t>
-            </a:r>
-            <a:r>
-              <a:rPr lang="ru-RU" baseline="0" dirty="0" smtClean="0"/>
-              <a:t>Это может быть графит или </a:t>
-            </a:r>
-            <a:r>
-              <a:rPr lang="en-US" baseline="0" dirty="0" err="1" smtClean="0"/>
-              <a:t>zabbix</a:t>
-            </a:r>
-            <a:r>
-              <a:rPr lang="ru-RU" baseline="0" dirty="0" smtClean="0"/>
-              <a:t>, или любой другой.</a:t>
-            </a:r>
-          </a:p>
-          <a:p>
-            <a:pPr marL="158750" indent="0">
-              <a:buNone/>
-            </a:pPr>
-            <a:endParaRPr lang="ru-RU" baseline="0" dirty="0" smtClean="0"/>
+              <a:t>Метрики говорят нам о каких-то событиях в вашей системе.</a:t>
+            </a:r>
+            <a:endParaRPr lang="en-US" baseline="0" dirty="0" smtClean="0"/>
           </a:p>
           <a:p>
             <a:pPr marL="158750" indent="0">
@@ -3093,7 +2882,6 @@
               <a:rPr lang="ru-RU" baseline="0" dirty="0" smtClean="0"/>
               <a:t> и графики на них.</a:t>
             </a:r>
-            <a:endParaRPr lang="ru-RU" baseline="0" dirty="0" smtClean="0"/>
           </a:p>
         </p:txBody>
       </p:sp>
@@ -3162,29 +2950,13 @@
             <a:pPr marL="158750" indent="0">
               <a:buNone/>
             </a:pPr>
-            <a:endParaRPr lang="ru-RU" dirty="0" smtClean="0"/>
-          </a:p>
-          <a:p>
-            <a:pPr marL="158750" indent="0">
-              <a:buNone/>
-            </a:pPr>
-            <a:endParaRPr lang="ru-RU" dirty="0" smtClean="0"/>
-          </a:p>
-          <a:p>
-            <a:pPr marL="158750" indent="0">
-              <a:buNone/>
-            </a:pPr>
             <a:r>
               <a:rPr lang="ru-RU" dirty="0" smtClean="0"/>
               <a:t>После</a:t>
             </a:r>
             <a:r>
               <a:rPr lang="ru-RU" baseline="0" dirty="0" smtClean="0"/>
-              <a:t> </a:t>
-            </a:r>
-            <a:r>
-              <a:rPr lang="ru-RU" baseline="0" dirty="0" smtClean="0"/>
-              <a:t>того как вы сложили метрики в какую-то банку</a:t>
+              <a:t> того как вы сложили метрики в какую-то банку</a:t>
             </a:r>
             <a:r>
               <a:rPr lang="en-US" baseline="0" dirty="0" smtClean="0"/>
@@ -3201,15 +2973,7 @@
             </a:pPr>
             <a:r>
               <a:rPr lang="ru-RU" baseline="0" dirty="0" smtClean="0"/>
-              <a:t>Например </a:t>
-            </a:r>
-            <a:r>
-              <a:rPr lang="ru-RU" baseline="0" dirty="0" smtClean="0"/>
-              <a:t>время </a:t>
-            </a:r>
-            <a:r>
-              <a:rPr lang="ru-RU" baseline="0" dirty="0" smtClean="0"/>
-              <a:t>ответа сервера стало больше 1 секунды. Или метрика по количеству ответов сервера в течение 10 минут равно 0, это подозрительно.</a:t>
+              <a:t>Например время ответа сервера стало больше 1 секунды. Или метрика по количеству ответов сервера в течение 10 минут равно 0, это подозрительно.</a:t>
             </a:r>
           </a:p>
           <a:p>
@@ -3379,7 +3143,7 @@
             </a:r>
             <a:r>
               <a:rPr lang="ru-RU" baseline="0" dirty="0" smtClean="0"/>
-              <a:t> интерфейс Графита, как настраивается график. Внизу вы видите как этот график настраивается. Все те же знакомые имена метрик. Указываются какие-то </a:t>
+              <a:t> интерфейс Графита, как настраивается график. Но все инструменты для этих целей плюс-минус одинаковые. Внизу вы видите как этот график настраивается. Выбирается метрика, на основе которой будет построен график, и какие-то </a:t>
             </a:r>
             <a:r>
               <a:rPr lang="ru-RU" baseline="0" dirty="0" err="1" smtClean="0"/>
@@ -3387,7 +3151,15 @@
             </a:r>
             <a:r>
               <a:rPr lang="ru-RU" baseline="0" dirty="0" smtClean="0"/>
-              <a:t> функции. И таким образом строится график. </a:t>
+              <a:t> </a:t>
+            </a:r>
+            <a:r>
+              <a:rPr lang="ru-RU" baseline="0" dirty="0" err="1" smtClean="0"/>
+              <a:t>функци</a:t>
+            </a:r>
+            <a:r>
+              <a:rPr lang="ru-RU" baseline="0" dirty="0" smtClean="0"/>
+              <a:t>.</a:t>
             </a:r>
           </a:p>
           <a:p>
@@ -3421,55 +3193,10 @@
               </a:spcAft>
               <a:buNone/>
             </a:pPr>
-            <a:endParaRPr lang="ru-RU" baseline="0" dirty="0" smtClean="0"/>
-          </a:p>
-          <a:p>
-            <a:pPr marL="0" lvl="0" indent="0" rtl="0">
-              <a:spcBef>
-                <a:spcPts val="0"/>
-              </a:spcBef>
-              <a:spcAft>
-                <a:spcPts val="0"/>
-              </a:spcAft>
-              <a:buNone/>
-            </a:pPr>
             <a:r>
               <a:rPr lang="ru-RU" baseline="0" dirty="0" smtClean="0"/>
-              <a:t>ОЧЕНЬ важно, что метрики и графики– это тоже часть вашей системы, их нужно держать в актуальном состоянии по мере развития системы. </a:t>
-            </a:r>
-          </a:p>
-          <a:p>
-            <a:pPr marL="0" lvl="0" indent="0" rtl="0">
-              <a:spcBef>
-                <a:spcPts val="0"/>
-              </a:spcBef>
-              <a:spcAft>
-                <a:spcPts val="0"/>
-              </a:spcAft>
-              <a:buNone/>
-            </a:pPr>
-            <a:r>
-              <a:rPr lang="ru-RU" b="1" baseline="0" dirty="0" smtClean="0"/>
-              <a:t>Например</a:t>
-            </a:r>
-            <a:r>
-              <a:rPr lang="ru-RU" baseline="0" dirty="0" smtClean="0"/>
-              <a:t> мы настроили метрики в одном сервисе по рассылке почты, нарисовали красивые графики, настроили какие-то </a:t>
-            </a:r>
-            <a:r>
-              <a:rPr lang="ru-RU" baseline="0" dirty="0" err="1" smtClean="0"/>
-              <a:t>алерты</a:t>
-            </a:r>
-            <a:r>
-              <a:rPr lang="ru-RU" baseline="0" dirty="0" smtClean="0"/>
-              <a:t>. Развернули сервис и оставили его жить своей жизнью на 2 года, он успешно справлялся с задачей, есть пить не просил. Что случилось дальше, вы узнаете через несколько слайдов.</a:t>
-            </a:r>
-          </a:p>
-          <a:p>
-            <a:pPr marL="158750" indent="0">
-              <a:buNone/>
-            </a:pPr>
-            <a:endParaRPr lang="ru-RU" baseline="0" dirty="0" smtClean="0"/>
+              <a:t>ОЧЕНЬ важно, что метрики и графики– это тоже часть вашей системы, их нужно держать в актуальном состоянии по мере развития системы.</a:t>
+            </a:r>
           </a:p>
         </p:txBody>
       </p:sp>
@@ -3810,15 +3537,7 @@
             </a:r>
             <a:r>
               <a:rPr lang="ru-RU" baseline="0" dirty="0" smtClean="0"/>
-              <a:t> нужны, чтобы разобраться с непонятной проблемой, когда ты </a:t>
-            </a:r>
-            <a:r>
-              <a:rPr lang="ru-RU" baseline="0" dirty="0" smtClean="0"/>
-              <a:t>знаешь </a:t>
-            </a:r>
-            <a:r>
-              <a:rPr lang="ru-RU" baseline="0" dirty="0" smtClean="0"/>
-              <a:t>конкретное время и место куда смотреть. И даже зная время и место, ходить на боевую площадку и смотреть в текстовые файлики – это как-то не оч.</a:t>
+              <a:t> нужны, чтобы разобраться с непонятной проблемой, когда ты знаешь конкретное время и место куда смотреть. И даже зная время и место, ходить на боевую площадку и смотреть в текстовые файлики – это как-то не оч.</a:t>
             </a:r>
           </a:p>
           <a:p>
@@ -4028,11 +3747,7 @@
             </a:pPr>
             <a:r>
               <a:rPr lang="ru-RU" dirty="0" smtClean="0"/>
-              <a:t> </a:t>
-            </a:r>
-            <a:r>
-              <a:rPr lang="ru-RU" dirty="0" smtClean="0"/>
-              <a:t>Вообще </a:t>
+              <a:t> Вообще </a:t>
             </a:r>
             <a:r>
               <a:rPr lang="ru-RU" b="1" dirty="0" err="1" smtClean="0"/>
@@ -4040,23 +3755,15 @@
             </a:r>
             <a:r>
               <a:rPr lang="ru-RU" dirty="0" smtClean="0"/>
-              <a:t> — это проблема, которую заметили пользователи вашего сервиса. Сервер был недоступен или тормозил, потерялись или попортились данные, пользователи звонили в техподдержку, в UI было логически неверное поведение. Помните, что пользователи бывают и внутренними</a:t>
+              <a:t> — это проблема, которую заметили пользователи вашего сервиса. Сервер был недоступен или тормозил, потерялись или попортились данные, пользователи звонили в техподдержку</a:t>
+            </a:r>
+            <a:r>
+              <a:rPr lang="ru-RU" baseline="0" dirty="0" smtClean="0"/>
+              <a:t> или к вам прибежал разъяренный коллега</a:t>
             </a:r>
             <a:r>
               <a:rPr lang="ru-RU" dirty="0" smtClean="0"/>
-              <a:t>. </a:t>
-            </a:r>
-            <a:r>
-              <a:rPr lang="ru-RU" dirty="0" smtClean="0"/>
-              <a:t>В </a:t>
-            </a:r>
-            <a:r>
-              <a:rPr lang="ru-RU" dirty="0" smtClean="0"/>
-              <a:t>общем случае работает </a:t>
-            </a:r>
-            <a:r>
-              <a:rPr lang="ru-RU" dirty="0" smtClean="0"/>
-              <a:t>простое правило: если ваш коллега уверен, что произошедшее достойно называться </a:t>
+              <a:t>. В общем случае работает простое правило: если ваш коллега уверен, что произошедшее достойно называться </a:t>
             </a:r>
             <a:r>
               <a:rPr lang="ru-RU" dirty="0" err="1" smtClean="0"/>
@@ -4500,7 +4207,23 @@
             </a:pPr>
             <a:r>
               <a:rPr lang="ru" dirty="0"/>
-              <a:t>Отдельно хочется поговорить про устранение проблем, вызванных ошибками. Понятно, что тут тоже нет универсального рецепта, но хочется поговорить про принципы на уровне дизайна системы позволяют минимизировать разрушительный эффект ошибок. </a:t>
+              <a:t>Отдельно хочется поговорить про устранение проблем, вызванных ошибками. Понятно, что тут тоже нет универсального рецепта</a:t>
+            </a:r>
+            <a:r>
+              <a:rPr lang="ru" dirty="0" smtClean="0"/>
+              <a:t>, все проблемы разные, </a:t>
+            </a:r>
+            <a:r>
+              <a:rPr lang="ru" dirty="0"/>
+              <a:t>но </a:t>
+            </a:r>
+            <a:r>
+              <a:rPr lang="ru" dirty="0" smtClean="0"/>
+              <a:t>хочется</a:t>
+            </a:r>
+            <a:r>
+              <a:rPr lang="ru" baseline="0" dirty="0" smtClean="0"/>
+              <a:t> поделиться парой рецептов.</a:t>
             </a:r>
             <a:endParaRPr lang="ru" dirty="0" smtClean="0"/>
           </a:p>
@@ -4542,18 +4265,18 @@
               <a:buNone/>
             </a:pPr>
             <a:r>
-              <a:rPr lang="en-US" dirty="0" smtClean="0"/>
+              <a:rPr lang="en-US" b="1" dirty="0" smtClean="0"/>
               <a:t>* </a:t>
             </a:r>
             <a:r>
-              <a:rPr lang="ru" dirty="0" smtClean="0"/>
+              <a:rPr lang="ru" b="1" dirty="0" smtClean="0"/>
               <a:t>Почистить</a:t>
             </a:r>
             <a:r>
-              <a:rPr lang="ru" baseline="0" dirty="0" smtClean="0"/>
+              <a:rPr lang="ru" b="1" baseline="0" dirty="0" smtClean="0"/>
               <a:t> данные</a:t>
             </a:r>
-            <a:endParaRPr lang="ru" dirty="0" smtClean="0"/>
+            <a:endParaRPr lang="ru" b="1" dirty="0" smtClean="0"/>
           </a:p>
           <a:p>
             <a:pPr marL="0" lvl="0" indent="0" rtl="0">
@@ -4641,44 +4364,56 @@
               <a:t>нужен только </a:t>
             </a:r>
             <a:r>
-              <a:rPr lang="ru-RU" dirty="0" err="1" smtClean="0"/>
-              <a:t>Create</a:t>
+              <a:rPr lang="en-US" dirty="0" smtClean="0"/>
+              <a:t>POST</a:t>
+            </a:r>
+            <a:r>
+              <a:rPr lang="en-US" baseline="0" dirty="0" smtClean="0"/>
+              <a:t> </a:t>
             </a:r>
             <a:r>
               <a:rPr lang="ru-RU" dirty="0" smtClean="0"/>
-              <a:t> и </a:t>
-            </a:r>
-            <a:r>
-              <a:rPr lang="ru-RU" dirty="0" err="1" smtClean="0"/>
-              <a:t>Read</a:t>
+              <a:t>и</a:t>
+            </a:r>
+            <a:r>
+              <a:rPr lang="en-US" dirty="0" smtClean="0"/>
+              <a:t> GET</a:t>
             </a:r>
             <a:r>
               <a:rPr lang="ru-RU" dirty="0" smtClean="0"/>
               <a:t>, я советую сразу добавлять </a:t>
             </a:r>
             <a:r>
-              <a:rPr lang="ru-RU" dirty="0" err="1" smtClean="0"/>
-              <a:t>Update</a:t>
+              <a:rPr lang="en-US" dirty="0" smtClean="0"/>
+              <a:t>UPDATE</a:t>
+            </a:r>
+            <a:r>
+              <a:rPr lang="en-US" baseline="0" dirty="0" smtClean="0"/>
+              <a:t> </a:t>
             </a:r>
             <a:r>
               <a:rPr lang="ru-RU" dirty="0" smtClean="0"/>
-              <a:t> и </a:t>
-            </a:r>
-            <a:r>
-              <a:rPr lang="ru-RU" dirty="0" err="1" smtClean="0"/>
-              <a:t>Delete</a:t>
+              <a:t>и</a:t>
+            </a:r>
+            <a:r>
+              <a:rPr lang="en-US" dirty="0" smtClean="0"/>
+              <a:t> DELETE</a:t>
             </a:r>
             <a:r>
               <a:rPr lang="ru-RU" dirty="0" smtClean="0"/>
-              <a:t>, потому что это всяко дешевле, чем лезть в базу и править данные там. Плюс вы сэкономите время </a:t>
-            </a:r>
-            <a:r>
-              <a:rPr lang="ru-RU" dirty="0" err="1" smtClean="0"/>
-              <a:t>тестировщиков</a:t>
+              <a:t>, потому что это всяко дешевле, чем лезть в базу и править данные там. Плюс вы сэкономите</a:t>
+            </a:r>
+            <a:r>
+              <a:rPr lang="ru-RU" baseline="0" dirty="0" smtClean="0"/>
+              <a:t> время себе или </a:t>
+            </a:r>
+            <a:r>
+              <a:rPr lang="ru-RU" baseline="0" dirty="0" err="1" smtClean="0"/>
+              <a:t>тестировщикам</a:t>
             </a:r>
             <a:r>
               <a:rPr lang="ru-RU" dirty="0" smtClean="0"/>
-              <a:t>, предоставим им удобные инструменты.</a:t>
+              <a:t>, потому что проще будет писать тестовые сценарии.</a:t>
             </a:r>
           </a:p>
           <a:p>
@@ -4693,7 +4428,15 @@
             </a:pPr>
             <a:r>
               <a:rPr lang="ru-RU" dirty="0" smtClean="0"/>
-              <a:t>            Если вам часто приходится лезть руками в базу, советую как-то это автоматизировать и добавить в ваш сервис методы, которые автоматизируют ваши действия и пусть этим занимается аналитик. Чем вы существенно сэкономите свое время.</a:t>
+              <a:t>  </a:t>
+            </a:r>
+            <a:r>
+              <a:rPr lang="ru-RU" dirty="0" smtClean="0"/>
+              <a:t>* Если </a:t>
+            </a:r>
+            <a:r>
+              <a:rPr lang="ru-RU" dirty="0" smtClean="0"/>
+              <a:t>вам часто приходится лезть руками в базу, советую как-то это автоматизировать и добавить в ваш сервис методы, которые автоматизируют ваши действия и пусть этим занимается аналитик. Чем вы существенно сэкономите свое время.</a:t>
             </a:r>
           </a:p>
           <a:p>
@@ -4732,14 +4475,14 @@
               <a:buChar char="•"/>
             </a:pPr>
             <a:r>
-              <a:rPr lang="ru-RU" dirty="0" err="1" smtClean="0"/>
+              <a:rPr lang="ru-RU" b="1" dirty="0" err="1" smtClean="0"/>
               <a:t>Востановить</a:t>
             </a:r>
             <a:r>
-              <a:rPr lang="ru-RU" baseline="0" dirty="0" smtClean="0"/>
+              <a:rPr lang="ru-RU" b="1" baseline="0" dirty="0" smtClean="0"/>
               <a:t> состояние с контрольной точки. </a:t>
             </a:r>
-            <a:endParaRPr lang="en-US" baseline="0" dirty="0" smtClean="0"/>
+            <a:endParaRPr lang="en-US" b="1" baseline="0" dirty="0" smtClean="0"/>
           </a:p>
           <a:p>
             <a:pPr marL="0" lvl="0" indent="0" rtl="0">
@@ -4822,7 +4565,7 @@
             </a:pPr>
             <a:r>
               <a:rPr lang="ru-RU" baseline="0" dirty="0" smtClean="0"/>
-              <a:t>Такая штука часто используется для подсчета статистики. Регистрируются некоторые события во </a:t>
+              <a:t>Такая штука у нас используется для подсчета статистики. Регистрируются некоторые события во </a:t>
             </a:r>
             <a:r>
               <a:rPr lang="en-US" baseline="0" dirty="0" smtClean="0"/>
@@ -4853,133 +4596,6 @@
               <a:buNone/>
             </a:pPr>
             <a:endParaRPr lang="ru-RU" dirty="0" smtClean="0"/>
-          </a:p>
-          <a:p>
-            <a:pPr marL="171450" lvl="0" indent="-171450" rtl="0">
-              <a:spcBef>
-                <a:spcPts val="0"/>
-              </a:spcBef>
-              <a:spcAft>
-                <a:spcPts val="0"/>
-              </a:spcAft>
-              <a:buFont typeface="Arial" panose="020B0604020202020204" pitchFamily="34" charset="0"/>
-              <a:buChar char="•"/>
-            </a:pPr>
-            <a:r>
-              <a:rPr lang="ru-RU" dirty="0" smtClean="0"/>
-              <a:t>Перевыполнить часть работ.</a:t>
-            </a:r>
-          </a:p>
-          <a:p>
-            <a:pPr marL="0" lvl="0" indent="0" rtl="0">
-              <a:spcBef>
-                <a:spcPts val="0"/>
-              </a:spcBef>
-              <a:spcAft>
-                <a:spcPts val="0"/>
-              </a:spcAft>
-              <a:buFont typeface="Arial" panose="020B0604020202020204" pitchFamily="34" charset="0"/>
-              <a:buNone/>
-            </a:pPr>
-            <a:r>
-              <a:rPr lang="ru-RU" dirty="0" smtClean="0"/>
-              <a:t>Самая</a:t>
-            </a:r>
-            <a:r>
-              <a:rPr lang="ru-RU" baseline="0" dirty="0" smtClean="0"/>
-              <a:t> сложна вещь которая бывает – это когда у вас данные оказываются в не консистентном состоянии. </a:t>
-            </a:r>
-          </a:p>
-          <a:p>
-            <a:pPr marL="0" lvl="0" indent="0" rtl="0">
-              <a:spcBef>
-                <a:spcPts val="0"/>
-              </a:spcBef>
-              <a:spcAft>
-                <a:spcPts val="0"/>
-              </a:spcAft>
-              <a:buFont typeface="Arial" panose="020B0604020202020204" pitchFamily="34" charset="0"/>
-              <a:buNone/>
-            </a:pPr>
-            <a:r>
-              <a:rPr lang="ru-RU" baseline="0" dirty="0" smtClean="0"/>
-              <a:t>Тут могут помочь идемпотентные запросы. То есть те, которые можно выполнить снова и вы получите аналогичное состояние. Например перезапускаете какого-нибудь демона с состоянием от вчерашнего дня, и он просто перевыполнит всю работу за день, и вы получаете консистентное состояние. </a:t>
-            </a:r>
-          </a:p>
-          <a:p>
-            <a:pPr marL="0" lvl="0" indent="0" rtl="0">
-              <a:spcBef>
-                <a:spcPts val="0"/>
-              </a:spcBef>
-              <a:spcAft>
-                <a:spcPts val="0"/>
-              </a:spcAft>
-              <a:buFont typeface="Arial" panose="020B0604020202020204" pitchFamily="34" charset="0"/>
-              <a:buNone/>
-            </a:pPr>
-            <a:r>
-              <a:rPr lang="ru" dirty="0" smtClean="0"/>
-              <a:t>Из</a:t>
-            </a:r>
-            <a:r>
-              <a:rPr lang="ru" baseline="0" dirty="0" smtClean="0"/>
-              <a:t> того что помню – как-то в</a:t>
-            </a:r>
-            <a:r>
-              <a:rPr lang="ru" dirty="0" smtClean="0"/>
-              <a:t>ыкачались не все счета из апи новостей биллинга, мы докинули прав и просто перезапускаем демона с нулевым состоянием. Дубликатов счетов не было, потому что </a:t>
-            </a:r>
-            <a:r>
-              <a:rPr lang="ru-RU" dirty="0" smtClean="0"/>
-              <a:t>метода </a:t>
-            </a:r>
-            <a:r>
-              <a:rPr lang="en-US" dirty="0" smtClean="0"/>
-              <a:t>Post</a:t>
-            </a:r>
-            <a:r>
-              <a:rPr lang="en-US" baseline="0" dirty="0" smtClean="0"/>
-              <a:t> </a:t>
-            </a:r>
-            <a:r>
-              <a:rPr lang="ru-RU" baseline="0" dirty="0" smtClean="0"/>
-              <a:t>работал как </a:t>
-            </a:r>
-            <a:r>
-              <a:rPr lang="en-US" baseline="0" dirty="0" err="1" smtClean="0"/>
-              <a:t>AddOrUpdate</a:t>
-            </a:r>
-            <a:r>
-              <a:rPr lang="ru-RU" baseline="0" dirty="0" smtClean="0"/>
-              <a:t>.</a:t>
-            </a:r>
-            <a:endParaRPr lang="ru" dirty="0" smtClean="0"/>
-          </a:p>
-          <a:p>
-            <a:pPr marL="0" lvl="0" indent="0" rtl="0">
-              <a:spcBef>
-                <a:spcPts val="0"/>
-              </a:spcBef>
-              <a:spcAft>
-                <a:spcPts val="0"/>
-              </a:spcAft>
-              <a:buFont typeface="Arial" panose="020B0604020202020204" pitchFamily="34" charset="0"/>
-              <a:buNone/>
-            </a:pPr>
-            <a:endParaRPr lang="ru" baseline="0" dirty="0" smtClean="0"/>
-          </a:p>
-          <a:p>
-            <a:pPr marL="0" lvl="0" indent="0" rtl="0">
-              <a:spcBef>
-                <a:spcPts val="0"/>
-              </a:spcBef>
-              <a:spcAft>
-                <a:spcPts val="0"/>
-              </a:spcAft>
-              <a:buFont typeface="Arial" panose="020B0604020202020204" pitchFamily="34" charset="0"/>
-              <a:buNone/>
-            </a:pPr>
-            <a:endParaRPr lang="ru" baseline="0" dirty="0" smtClean="0"/>
           </a:p>
           <a:p>
             <a:pPr marL="0" lvl="0" indent="0" rtl="0">
@@ -5095,7 +4711,54 @@
             </a:pPr>
             <a:r>
               <a:rPr lang="ru-RU" dirty="0" smtClean="0"/>
-              <a:t>И что же у нас в конце. На самом деле </a:t>
+              <a:t>И что же у нас в конце. </a:t>
+            </a:r>
+          </a:p>
+          <a:p>
+            <a:pPr marL="0" lvl="0" indent="0" rtl="0">
+              <a:spcBef>
+                <a:spcPts val="0"/>
+              </a:spcBef>
+              <a:spcAft>
+                <a:spcPts val="0"/>
+              </a:spcAft>
+              <a:buNone/>
+            </a:pPr>
+            <a:r>
+              <a:rPr lang="ru-RU" b="1" dirty="0" smtClean="0"/>
+              <a:t>Вопрос в зал</a:t>
+            </a:r>
+            <a:r>
+              <a:rPr lang="en-US" b="1" dirty="0" smtClean="0"/>
+              <a:t>: </a:t>
+            </a:r>
+            <a:r>
+              <a:rPr lang="ru-RU" b="1" dirty="0" smtClean="0"/>
+              <a:t>Как вы думаете</a:t>
+            </a:r>
+            <a:r>
+              <a:rPr lang="en-US" b="1" dirty="0" smtClean="0"/>
+              <a:t>?</a:t>
+            </a:r>
+            <a:r>
+              <a:rPr lang="en-US" b="1" baseline="0" dirty="0" smtClean="0"/>
+              <a:t> </a:t>
+            </a:r>
+            <a:endParaRPr lang="ru-RU" b="1" dirty="0" smtClean="0"/>
+          </a:p>
+          <a:p>
+            <a:pPr marL="0" lvl="0" indent="0" rtl="0">
+              <a:spcBef>
+                <a:spcPts val="0"/>
+              </a:spcBef>
+              <a:spcAft>
+                <a:spcPts val="0"/>
+              </a:spcAft>
+              <a:buNone/>
+            </a:pPr>
+            <a:r>
+              <a:rPr lang="ru-RU" dirty="0" smtClean="0"/>
+              <a:t>На самом деле </a:t>
             </a:r>
             <a:r>
               <a:rPr lang="en-US" dirty="0" smtClean="0"/>
@@ -5107,11 +4770,11 @@
             </a:r>
             <a:r>
               <a:rPr lang="ru-RU" dirty="0" err="1" smtClean="0"/>
-              <a:t>факапо</a:t>
+              <a:t>факапом</a:t>
             </a:r>
             <a:r>
               <a:rPr lang="ru-RU" dirty="0" smtClean="0"/>
-              <a:t> следует снова разработка, снова эксплуатация и разумеется снова </a:t>
+              <a:t> следует снова </a:t>
             </a:r>
             <a:r>
               <a:rPr lang="ru-RU" dirty="0" err="1" smtClean="0"/>
@@ -5119,8 +4782,13 @@
             </a:r>
             <a:r>
               <a:rPr lang="ru-RU" dirty="0" smtClean="0"/>
-              <a:t>. </a:t>
-            </a:r>
+              <a:t>,</a:t>
+            </a:r>
+            <a:r>
+              <a:rPr lang="ru-RU" baseline="0" dirty="0" smtClean="0"/>
+              <a:t> потому что разработчики не делают из них выводов.</a:t>
+            </a:r>
+            <a:endParaRPr lang="ru-RU" dirty="0" smtClean="0"/>
           </a:p>
           <a:p>
             <a:pPr marL="0" lvl="0" indent="0" rtl="0">
@@ -5205,15 +4873,20 @@
                   <a:schemeClr val="bg1"/>
                 </a:solidFill>
               </a:rPr>
-              <a:t> — документ, в котором зафиксирована вся информация о случившемся, проведен анализ причин произошедшего, поставлены задачи на будущее.</a:t>
-            </a:r>
-            <a:endParaRPr lang="ru-RU" sz="1100" dirty="0" smtClean="0">
+              <a:t> — это</a:t>
+            </a:r>
+            <a:r>
+              <a:rPr lang="ru-RU" sz="1100" baseline="0" dirty="0" smtClean="0">
+                <a:solidFill>
+                  <a:schemeClr val="bg1"/>
+                </a:solidFill>
+              </a:rPr>
+              <a:t> такой документ, в котором зафиксирована вся информация о случившемся. Произведен анализ причин произошедшего и поставлены задачи на будущее. </a:t>
+            </a:r>
+            <a:endParaRPr lang="en-US" sz="1100" dirty="0" smtClean="0">
               <a:solidFill>
                 <a:schemeClr val="bg1"/>
               </a:solidFill>
-              <a:highlight>
-                <a:srgbClr val="FFFFFF"/>
-              </a:highlight>
             </a:endParaRPr>
           </a:p>
           <a:p>
@@ -5232,30 +4905,16 @@
                   <a:schemeClr val="bg1"/>
                 </a:solidFill>
               </a:rPr>
-              <a:t>Основная цель постфактум-анализа — сделать так, чтобы подобный пожар больше не повторился. Конечно, иногда добиться этого невозможно: например, если корень проблемы находится вне зоны нашего контроля, снаружи компании. В этом случае нужно сокращать ущерб и работать над временем реакции</a:t>
-            </a:r>
-            <a:endParaRPr lang="ru-RU" sz="1100" dirty="0" smtClean="0">
-              <a:solidFill>
-                <a:schemeClr val="bg1"/>
-              </a:solidFill>
-              <a:highlight>
-                <a:srgbClr val="FFFFFF"/>
-              </a:highlight>
-            </a:endParaRPr>
-          </a:p>
-          <a:p>
-            <a:pPr marL="0" lvl="0" indent="0" rtl="0">
-              <a:lnSpc>
-                <a:spcPct val="100000"/>
-              </a:lnSpc>
-              <a:spcBef>
-                <a:spcPts val="2400"/>
-              </a:spcBef>
-              <a:spcAft>
-                <a:spcPts val="0"/>
-              </a:spcAft>
-              <a:buNone/>
-            </a:pPr>
+              <a:t>Основная его цель – сделать так, чтобы подобное больше не повторилось</a:t>
+            </a:r>
+            <a:r>
+              <a:rPr lang="ru-RU" sz="1100" baseline="0" dirty="0" smtClean="0">
+                <a:solidFill>
+                  <a:schemeClr val="bg1"/>
+                </a:solidFill>
+              </a:rPr>
+              <a:t>. А если это невозможно, например, причина была не у нас – сделать так, чтобы в дальнейшем сокращать время реакции и минимизировать последствия подобных инцидентов.</a:t>
+            </a:r>
             <a:endParaRPr lang="ru-RU" sz="1600" dirty="0" smtClean="0">
               <a:solidFill>
                 <a:schemeClr val="bg1"/>
@@ -5329,59 +4988,8 @@
                   <a:schemeClr val="bg1"/>
                 </a:solidFill>
               </a:rPr>
-              <a:t> с возможностью быстрого отката вполне возможно. Именно хорошо оформленные и зафиксированные в </a:t>
-            </a:r>
-            <a:r>
-              <a:rPr lang="ru-RU" sz="1100" dirty="0" err="1" smtClean="0">
-                <a:solidFill>
-                  <a:schemeClr val="bg1"/>
-                </a:solidFill>
-              </a:rPr>
-              <a:t>трекере</a:t>
-            </a:r>
-            <a:r>
-              <a:rPr lang="ru-RU" sz="1100" dirty="0" smtClean="0">
-                <a:solidFill>
-                  <a:schemeClr val="bg1"/>
-                </a:solidFill>
-              </a:rPr>
-              <a:t> технические задачи составляют основной “выхлоп” </a:t>
-            </a:r>
-            <a:r>
-              <a:rPr lang="ru-RU" sz="1100" dirty="0" err="1" smtClean="0">
-                <a:solidFill>
-                  <a:schemeClr val="bg1"/>
-                </a:solidFill>
-              </a:rPr>
-              <a:t>постмортема</a:t>
-            </a:r>
-            <a:r>
-              <a:rPr lang="ru-RU" sz="1100" dirty="0" smtClean="0">
-                <a:solidFill>
-                  <a:schemeClr val="bg1"/>
-                </a:solidFill>
-              </a:rPr>
-              <a:t>. Автоматизация процессов, улучшение технического качества решений — все это позволит подобной проблеме не повториться в будущем.</a:t>
-            </a:r>
-          </a:p>
-          <a:p>
-            <a:pPr marL="0" lvl="0" indent="0" rtl="0">
-              <a:lnSpc>
-                <a:spcPct val="100000"/>
-              </a:lnSpc>
-              <a:spcBef>
-                <a:spcPts val="1500"/>
-              </a:spcBef>
-              <a:spcAft>
-                <a:spcPts val="0"/>
-              </a:spcAft>
-              <a:buNone/>
-            </a:pPr>
-            <a:endParaRPr lang="ru-RU" sz="1100" dirty="0" smtClean="0">
-              <a:solidFill>
-                <a:schemeClr val="bg1"/>
-              </a:solidFill>
-            </a:endParaRPr>
+              <a:t> с возможностью быстрого отката вполне возможно. </a:t>
+            </a:r>
           </a:p>
           <a:p>
             <a:pPr marL="0" lvl="0" indent="0" rtl="0">
@@ -5442,55 +5050,7 @@
                   <a:schemeClr val="bg1"/>
                 </a:solidFill>
               </a:rPr>
-              <a:t>. По этой же причине в </a:t>
-            </a:r>
-            <a:r>
-              <a:rPr lang="ru-RU" sz="1100" dirty="0" err="1" smtClean="0">
-                <a:solidFill>
-                  <a:schemeClr val="bg1"/>
-                </a:solidFill>
-              </a:rPr>
-              <a:t>постмортеме</a:t>
-            </a:r>
-            <a:r>
-              <a:rPr lang="ru-RU" sz="1100" dirty="0" smtClean="0">
-                <a:solidFill>
-                  <a:schemeClr val="bg1"/>
-                </a:solidFill>
-              </a:rPr>
-              <a:t> нет места оправданиям. Продуктивнее </a:t>
-            </a:r>
-            <a:r>
-              <a:rPr lang="ru-RU" sz="1100" dirty="0" smtClean="0">
-                <a:solidFill>
-                  <a:schemeClr val="bg1"/>
-                </a:solidFill>
-              </a:rPr>
-              <a:t>понять,</a:t>
-            </a:r>
-            <a:r>
-              <a:rPr lang="ru-RU" sz="1100" baseline="0" dirty="0" smtClean="0">
-                <a:solidFill>
-                  <a:schemeClr val="bg1"/>
-                </a:solidFill>
-              </a:rPr>
-              <a:t> чего вам не хватило, чем обвинять себя и окружающих. </a:t>
-            </a:r>
-            <a:r>
-              <a:rPr lang="ru-RU" sz="1100" dirty="0" smtClean="0">
-                <a:solidFill>
-                  <a:schemeClr val="bg1"/>
-                </a:solidFill>
-              </a:rPr>
-              <a:t>В </a:t>
-            </a:r>
-            <a:r>
-              <a:rPr lang="ru-RU" sz="1100" dirty="0" smtClean="0">
-                <a:solidFill>
-                  <a:schemeClr val="bg1"/>
-                </a:solidFill>
-              </a:rPr>
-              <a:t>отсутствии обвинительного тона есть и другой плюс: человек не стыдится своей ошибки, не боится рассказывать о ней коллегам и со временем становится специалистом по решению похожих проблем.</a:t>
+              <a:t>. В отсутствии обвинительного тона есть и другой плюс: человек не стыдится своей ошибки, не боится рассказывать о ней коллегам и со временем становится специалистом по решению похожих проблем.</a:t>
             </a:r>
           </a:p>
           <a:p>
@@ -5795,6 +5355,18 @@
               </a:spcAft>
               <a:buNone/>
             </a:pPr>
+            <a:endParaRPr lang="ru-RU" dirty="0" smtClean="0"/>
+          </a:p>
+          <a:p>
+            <a:pPr marL="0" lvl="0" indent="0" rtl="0">
+              <a:spcBef>
+                <a:spcPts val="0"/>
+              </a:spcBef>
+              <a:spcAft>
+                <a:spcPts val="0"/>
+              </a:spcAft>
+              <a:buNone/>
+            </a:pPr>
             <a:r>
               <a:rPr lang="ru-RU" dirty="0" smtClean="0"/>
               <a:t>Эти</a:t>
@@ -5805,11 +5377,15 @@
             </a:r>
             <a:r>
               <a:rPr lang="ru-RU" dirty="0" smtClean="0"/>
-              <a:t>, </a:t>
+              <a:t>, что вам</a:t>
+            </a:r>
+            <a:r>
+              <a:rPr lang="ru-RU" baseline="0" dirty="0" smtClean="0"/>
+              <a:t> </a:t>
             </a:r>
             <a:r>
               <a:rPr lang="ru-RU" dirty="0" smtClean="0"/>
-              <a:t>что ему достался </a:t>
+              <a:t>достался </a:t>
             </a:r>
             <a:r>
               <a:rPr lang="ru-RU" dirty="0" err="1" smtClean="0"/>
@@ -5817,28 +5393,13 @@
             </a:r>
             <a:r>
               <a:rPr lang="ru-RU" dirty="0" smtClean="0"/>
-              <a:t> проект, и нужно переписывать все с нуля. Это плохая идея, в любом случае.</a:t>
+              <a:t> проект, и нужно переписывать все с нуля. Мы так не делаем и вам не советуем.</a:t>
             </a:r>
             <a:r>
               <a:rPr lang="ru-RU" baseline="0" dirty="0" smtClean="0"/>
-              <a:t> </a:t>
+              <a:t> Сегодня мы поговорим о том, как же можно упростить себе жизнь.</a:t>
             </a:r>
             <a:endParaRPr lang="ru-RU" dirty="0" smtClean="0"/>
-          </a:p>
-          <a:p>
-            <a:pPr marL="0" lvl="0" indent="0" rtl="0">
-              <a:spcBef>
-                <a:spcPts val="0"/>
-              </a:spcBef>
-              <a:spcAft>
-                <a:spcPts val="0"/>
-              </a:spcAft>
-              <a:buNone/>
-            </a:pPr>
-            <a:r>
-              <a:rPr lang="ru-RU" dirty="0" smtClean="0"/>
-              <a:t>Я сторонник эффективных подходов, и мой доклад будет про то, как минимизировать время на работу с ошибками в системе.</a:t>
-            </a:r>
           </a:p>
           <a:p>
             <a:pPr marL="0" lvl="0" indent="0" rtl="0">
@@ -5960,6 +5521,10 @@
               <a:tabLst/>
               <a:defRPr/>
             </a:pPr>
+            <a:r>
+              <a:rPr lang="en-US" baseline="0" dirty="0" smtClean="0"/>
+              <a:t>         </a:t>
+            </a:r>
             <a:r>
               <a:rPr lang="ru-RU" baseline="0" dirty="0" smtClean="0"/>
               <a:t>Телефоны можете не расчехлять, презентацию мы вам скинем. </a:t>
@@ -6173,7 +5738,7 @@
                   <a:schemeClr val="bg1"/>
                 </a:solidFill>
               </a:rPr>
-              <a:t>Как</a:t>
+              <a:t>Несколько лет назад</a:t>
             </a:r>
             <a:r>
               <a:rPr lang="ru-RU" baseline="0" dirty="0" smtClean="0">
@@ -6181,26 +5746,23 @@
                   <a:schemeClr val="bg1"/>
                 </a:solidFill>
               </a:rPr>
-              <a:t> я обещал в середине доклада, мы вернемся к нашему сервису, который жил не тужил на боевой два года. </a:t>
-            </a:r>
-          </a:p>
-          <a:p>
-            <a:pPr marL="0" lvl="0" indent="0">
-              <a:spcBef>
-                <a:spcPts val="0"/>
-              </a:spcBef>
-              <a:spcAft>
-                <a:spcPts val="0"/>
-              </a:spcAft>
-              <a:buNone/>
-            </a:pPr>
+              <a:t> мы написали сервис для рассылки почты. Сделали все по фен </a:t>
+            </a:r>
+            <a:r>
+              <a:rPr lang="ru-RU" baseline="0" dirty="0" err="1" smtClean="0">
+                <a:solidFill>
+                  <a:schemeClr val="bg1"/>
+                </a:solidFill>
+              </a:rPr>
+              <a:t>шую</a:t>
+            </a:r>
             <a:r>
               <a:rPr lang="ru-RU" baseline="0" dirty="0" smtClean="0">
                 <a:solidFill>
                   <a:schemeClr val="bg1"/>
                 </a:solidFill>
               </a:rPr>
-              <a:t>У него были метрики, у него были графики, и даже были </a:t>
+              <a:t>, покрыли код метриками, настроили </a:t>
             </a:r>
             <a:r>
               <a:rPr lang="ru-RU" baseline="0" dirty="0" err="1" smtClean="0">
@@ -6216,7 +5778,58 @@
                   <a:schemeClr val="bg1"/>
                 </a:solidFill>
               </a:rPr>
-              <a:t>. Но вот он </a:t>
+              <a:t> и все такое. После чего </a:t>
+            </a:r>
+            <a:r>
+              <a:rPr lang="ru-RU" baseline="0" dirty="0" err="1" smtClean="0">
+                <a:solidFill>
+                  <a:schemeClr val="bg1"/>
+                </a:solidFill>
+              </a:rPr>
+              <a:t>зарелизили</a:t>
+            </a:r>
+            <a:r>
+              <a:rPr lang="ru-RU" baseline="0" dirty="0" smtClean="0">
+                <a:solidFill>
+                  <a:schemeClr val="bg1"/>
+                </a:solidFill>
+              </a:rPr>
+              <a:t> сервис и забыли про него на пару лет. Делая в нем только мелкие </a:t>
+            </a:r>
+            <a:r>
+              <a:rPr lang="ru-RU" baseline="0" dirty="0" err="1" smtClean="0">
+                <a:solidFill>
+                  <a:schemeClr val="bg1"/>
+                </a:solidFill>
+              </a:rPr>
+              <a:t>багфиксы</a:t>
+            </a:r>
+            <a:r>
+              <a:rPr lang="ru-RU" baseline="0" dirty="0" smtClean="0">
+                <a:solidFill>
+                  <a:schemeClr val="bg1"/>
+                </a:solidFill>
+              </a:rPr>
+              <a:t>.</a:t>
+            </a:r>
+          </a:p>
+          <a:p>
+            <a:pPr marL="0" lvl="0" indent="0">
+              <a:spcBef>
+                <a:spcPts val="0"/>
+              </a:spcBef>
+              <a:spcAft>
+                <a:spcPts val="0"/>
+              </a:spcAft>
+              <a:buNone/>
+            </a:pPr>
+            <a:r>
+              <a:rPr lang="ru-RU" baseline="0" dirty="0" smtClean="0">
+                <a:solidFill>
+                  <a:schemeClr val="bg1"/>
+                </a:solidFill>
+              </a:rPr>
+              <a:t>Но в какой-то момент у нас случился </a:t>
             </a:r>
             <a:r>
               <a:rPr lang="ru-RU" baseline="0" dirty="0" err="1" smtClean="0">
@@ -6234,6 +5847,11 @@
               </a:rPr>
               <a:t> 480. </a:t>
             </a:r>
+            <a:endParaRPr lang="en-US" baseline="0" dirty="0" smtClean="0">
+              <a:solidFill>
+                <a:schemeClr val="bg1"/>
+              </a:solidFill>
+            </a:endParaRPr>
           </a:p>
           <a:p>
             <a:pPr marL="0" lvl="0" indent="0">
@@ -6524,70 +6142,6 @@
               <a:t> тут мораль. Мы хоть и использовали все те инструменты, что я озвучивал выше, но метрики и графики протухли. Да и сервис тоже. Мы сделали соответствующие выводы и все исправили. За счет этого выросло качество сервиса. </a:t>
             </a:r>
           </a:p>
-          <a:p>
-            <a:pPr marL="0" lvl="0" indent="0">
-              <a:spcBef>
-                <a:spcPts val="0"/>
-              </a:spcBef>
-              <a:spcAft>
-                <a:spcPts val="0"/>
-              </a:spcAft>
-              <a:buNone/>
-            </a:pPr>
-            <a:r>
-              <a:rPr lang="ru-RU" dirty="0" smtClean="0">
-                <a:solidFill>
-                  <a:schemeClr val="bg1"/>
-                </a:solidFill>
-              </a:rPr>
-              <a:t>Как вы видите тут</a:t>
-            </a:r>
-            <a:r>
-              <a:rPr lang="ru-RU" baseline="0" dirty="0" smtClean="0">
-                <a:solidFill>
-                  <a:schemeClr val="bg1"/>
-                </a:solidFill>
-              </a:rPr>
-              <a:t> в выводах нет – </a:t>
-            </a:r>
-            <a:r>
-              <a:rPr lang="en-US" baseline="0" dirty="0" smtClean="0">
-                <a:solidFill>
-                  <a:schemeClr val="bg1"/>
-                </a:solidFill>
-              </a:rPr>
-              <a:t>“</a:t>
-            </a:r>
-            <a:r>
-              <a:rPr lang="ru-RU" baseline="0" dirty="0" smtClean="0">
-                <a:solidFill>
-                  <a:schemeClr val="bg1"/>
-                </a:solidFill>
-              </a:rPr>
-              <a:t>Сделан строгий выговор и лишен премии</a:t>
-            </a:r>
-            <a:r>
-              <a:rPr lang="en-US" baseline="0" dirty="0" smtClean="0">
-                <a:solidFill>
-                  <a:schemeClr val="bg1"/>
-                </a:solidFill>
-              </a:rPr>
-              <a:t>”</a:t>
-            </a:r>
-            <a:r>
-              <a:rPr lang="ru-RU" baseline="0" dirty="0" smtClean="0">
-                <a:solidFill>
-                  <a:schemeClr val="bg1"/>
-                </a:solidFill>
-              </a:rPr>
-              <a:t> и тому подобного. </a:t>
-            </a:r>
-            <a:endParaRPr dirty="0">
-              <a:solidFill>
-                <a:schemeClr val="bg1"/>
-              </a:solidFill>
-            </a:endParaRPr>
-          </a:p>
         </p:txBody>
       </p:sp>
     </p:spTree>
@@ -6704,7 +6258,15 @@
             </a:r>
             <a:r>
               <a:rPr lang="ru-RU" baseline="0" dirty="0" smtClean="0"/>
-              <a:t> вдруг вы внедрите что-нибудь из того, о чем я говорил, и вам понравится. 2 книги по второй ссылке должны стать вашей настольной книгой. Вторая кстати до 23 доступна для бесплатного скачивания. Первую можно найти в магазинах на русском.</a:t>
+              <a:t> вдруг вы внедрите что-нибудь из того, о чем я говорил, и вам понравится</a:t>
+            </a:r>
+            <a:r>
+              <a:rPr lang="en-US" baseline="0" dirty="0" smtClean="0"/>
+              <a:t>? </a:t>
+            </a:r>
+            <a:r>
+              <a:rPr lang="ru-RU" baseline="0" dirty="0" smtClean="0"/>
+              <a:t>то 2 книги по второй ссылке должны стать вашими настольными книгами. Вторая кстати до 23 августа доступна для бесплатного скачивания. Первую можно найти в магазинах на русском.</a:t>
             </a:r>
             <a:endParaRPr lang="ru-RU" dirty="0"/>
           </a:p>
@@ -6883,8 +6445,12 @@
               <a:buNone/>
             </a:pPr>
             <a:r>
+              <a:rPr lang="ru" smtClean="0"/>
+              <a:t>Наверное </a:t>
+            </a:r>
+            <a:r>
               <a:rPr lang="ru" dirty="0" smtClean="0"/>
-              <a:t>Наверное всем очевидно, что нет.</a:t>
+              <a:t>всем очевидно, что нет.</a:t>
             </a:r>
             <a:r>
               <a:rPr lang="ru" baseline="0" dirty="0" smtClean="0"/>
@@ -7644,11 +7210,7 @@
             </a:pPr>
             <a:r>
               <a:rPr lang="ru-RU" baseline="0" dirty="0" smtClean="0"/>
-              <a:t>Я </a:t>
-            </a:r>
-            <a:r>
-              <a:rPr lang="ru-RU" baseline="0" dirty="0" smtClean="0"/>
-              <a:t>обещал что доклад для базового уровня, поэтому рассмотрим банальный комплекс мер, который поможет кратно повысить качество вашего ПО на примере </a:t>
+              <a:t>Я обещал что доклад для базового уровня, поэтому рассмотрим банальный комплекс мер, который поможет кратно повысить качество вашего ПО на примере </a:t>
             </a:r>
             <a:r>
               <a:rPr lang="ru-RU" baseline="0" dirty="0" err="1" smtClean="0"/>
@@ -7836,23 +7398,15 @@
             </a:r>
             <a:r>
               <a:rPr lang="ru" dirty="0"/>
-              <a:t>это очевидный пункт, но многие его игнорируют и просто пишут try-catch на любой вызов и думают, что этого достаточно. Совершенно точно нет.</a:t>
-            </a:r>
-            <a:endParaRPr dirty="0"/>
-          </a:p>
-          <a:p>
-            <a:pPr marL="0" lvl="0" indent="0" rtl="0">
-              <a:spcBef>
-                <a:spcPts val="0"/>
-              </a:spcBef>
-              <a:spcAft>
-                <a:spcPts val="0"/>
-              </a:spcAft>
-              <a:buNone/>
-            </a:pPr>
+              <a:t>это очевидный пункт, но многие его игнорируют и просто пишут try-catch на любой вызов и думают, что этого достаточно. Совершенно точно </a:t>
+            </a:r>
+            <a:r>
+              <a:rPr lang="ru" dirty="0" smtClean="0"/>
+              <a:t>нет. Сергей </a:t>
+            </a:r>
             <a:r>
               <a:rPr lang="ru" dirty="0"/>
-              <a:t>    Сергей рассказывал про то, как нужно ретраить запросы, и что нужно это делать с умом. </a:t>
+              <a:t>рассказывал про то, как нужно ретраить запросы, и что нужно это делать с умом. </a:t>
             </a:r>
             <a:endParaRPr lang="en-US" dirty="0" smtClean="0"/>
           </a:p>
@@ -12856,7 +12410,16 @@
                 </a:solidFill>
                 <a:latin typeface="Helvetica Neue" panose="020B0604020202020204" charset="0"/>
               </a:rPr>
-              <a:t>Пример</a:t>
+              <a:t>Дизайн </a:t>
+            </a:r>
+            <a:r>
+              <a:rPr lang="ru-RU" sz="3000" dirty="0" err="1" smtClean="0">
+                <a:solidFill>
+                  <a:schemeClr val="tx1"/>
+                </a:solidFill>
+                <a:latin typeface="Helvetica Neue" panose="020B0604020202020204" charset="0"/>
+              </a:rPr>
+              <a:t>ревью</a:t>
             </a:r>
             <a:endParaRPr lang="ru-RU" sz="3000" dirty="0">
               <a:solidFill>
@@ -12867,33 +12430,570 @@
           </a:p>
         </p:txBody>
       </p:sp>
-      <p:pic>
-        <p:nvPicPr>
-          <p:cNvPr id="6" name="Рисунок 5"/>
-          <p:cNvPicPr>
-            <a:picLocks noChangeAspect="1"/>
-          </p:cNvPicPr>
+      <p:sp>
+        <p:nvSpPr>
+          <p:cNvPr id="3" name="Текст 2"/>
+          <p:cNvSpPr>
+            <a:spLocks noGrp="1"/>
+          </p:cNvSpPr>
+          <p:nvPr>
+            <p:ph type="body" idx="1"/>
+          </p:nvPr>
+        </p:nvSpPr>
+        <p:spPr/>
+        <p:txBody>
+          <a:bodyPr/>
+          <a:lstStyle/>
+          <a:p>
+            <a:pPr>
+              <a:buClr>
+                <a:schemeClr val="tx1"/>
+              </a:buClr>
+            </a:pPr>
+            <a:r>
+              <a:rPr lang="ru-RU" dirty="0" smtClean="0">
+                <a:solidFill>
+                  <a:schemeClr val="accent2"/>
+                </a:solidFill>
+                <a:latin typeface="Helvetica Neue" panose="020B0604020202020204" charset="0"/>
+              </a:rPr>
+              <a:t>Отдельно взятый класс</a:t>
+            </a:r>
+            <a:r>
+              <a:rPr lang="en-US" dirty="0" smtClean="0">
+                <a:solidFill>
+                  <a:schemeClr val="accent2"/>
+                </a:solidFill>
+                <a:latin typeface="Helvetica Neue" panose="020B0604020202020204" charset="0"/>
+              </a:rPr>
+              <a:t>/</a:t>
+            </a:r>
+            <a:r>
+              <a:rPr lang="ru-RU" dirty="0" smtClean="0">
+                <a:solidFill>
+                  <a:schemeClr val="accent2"/>
+                </a:solidFill>
+                <a:latin typeface="Helvetica Neue" panose="020B0604020202020204" charset="0"/>
+              </a:rPr>
+              <a:t>набор классов</a:t>
+            </a:r>
+          </a:p>
+          <a:p>
+            <a:pPr>
+              <a:buClr>
+                <a:schemeClr val="tx1"/>
+              </a:buClr>
+            </a:pPr>
+            <a:r>
+              <a:rPr lang="ru-RU" dirty="0" smtClean="0">
+                <a:solidFill>
+                  <a:schemeClr val="accent2"/>
+                </a:solidFill>
+                <a:latin typeface="Helvetica Neue" panose="020B0604020202020204" charset="0"/>
+              </a:rPr>
+              <a:t>Отдельно взятый функциональный блок</a:t>
+            </a:r>
+            <a:r>
+              <a:rPr lang="en-US" dirty="0" smtClean="0">
+                <a:solidFill>
+                  <a:schemeClr val="accent2"/>
+                </a:solidFill>
+                <a:latin typeface="Helvetica Neue" panose="020B0604020202020204" charset="0"/>
+              </a:rPr>
+              <a:t>/</a:t>
+            </a:r>
+            <a:r>
+              <a:rPr lang="ru-RU" dirty="0" err="1" smtClean="0">
+                <a:solidFill>
+                  <a:schemeClr val="accent2"/>
+                </a:solidFill>
+                <a:latin typeface="Helvetica Neue" panose="020B0604020202020204" charset="0"/>
+              </a:rPr>
+              <a:t>микросервис</a:t>
+            </a:r>
+            <a:r>
+              <a:rPr lang="en-US" dirty="0" smtClean="0">
+                <a:solidFill>
+                  <a:schemeClr val="accent2"/>
+                </a:solidFill>
+                <a:latin typeface="Helvetica Neue" panose="020B0604020202020204" charset="0"/>
+              </a:rPr>
+              <a:t>/</a:t>
+            </a:r>
+            <a:r>
+              <a:rPr lang="ru-RU" dirty="0" smtClean="0">
+                <a:solidFill>
+                  <a:schemeClr val="accent2"/>
+                </a:solidFill>
+                <a:latin typeface="Helvetica Neue" panose="020B0604020202020204" charset="0"/>
+              </a:rPr>
+              <a:t>сервис</a:t>
+            </a:r>
+            <a:endParaRPr lang="en-US" dirty="0" smtClean="0">
+              <a:solidFill>
+                <a:schemeClr val="accent2"/>
+              </a:solidFill>
+              <a:latin typeface="Helvetica Neue" panose="020B0604020202020204" charset="0"/>
+            </a:endParaRPr>
+          </a:p>
+          <a:p>
+            <a:pPr>
+              <a:buClr>
+                <a:schemeClr val="tx1"/>
+              </a:buClr>
+            </a:pPr>
+            <a:r>
+              <a:rPr lang="ru-RU" dirty="0" smtClean="0">
+                <a:solidFill>
+                  <a:schemeClr val="accent2"/>
+                </a:solidFill>
+                <a:latin typeface="Helvetica Neue" panose="020B0604020202020204" charset="0"/>
+              </a:rPr>
+              <a:t>Система в целом</a:t>
+            </a:r>
+            <a:endParaRPr lang="en-US" dirty="0" smtClean="0">
+              <a:solidFill>
+                <a:schemeClr val="accent2"/>
+              </a:solidFill>
+              <a:latin typeface="Helvetica Neue" panose="020B0604020202020204" charset="0"/>
+            </a:endParaRPr>
+          </a:p>
+          <a:p>
+            <a:pPr>
+              <a:buClr>
+                <a:schemeClr val="tx1"/>
+              </a:buClr>
+            </a:pPr>
+            <a:endParaRPr lang="en-US" dirty="0">
+              <a:solidFill>
+                <a:schemeClr val="accent2"/>
+              </a:solidFill>
+              <a:latin typeface="Helvetica Neue" panose="020B0604020202020204" charset="0"/>
+            </a:endParaRPr>
+          </a:p>
+          <a:p>
+            <a:pPr marL="114300" indent="0">
+              <a:buClr>
+                <a:schemeClr val="tx1"/>
+              </a:buClr>
+              <a:buNone/>
+            </a:pPr>
+            <a:r>
+              <a:rPr lang="ru-RU" dirty="0" smtClean="0">
+                <a:solidFill>
+                  <a:schemeClr val="accent2"/>
+                </a:solidFill>
+                <a:latin typeface="Helvetica Neue" panose="020B0604020202020204" charset="0"/>
+              </a:rPr>
+              <a:t>Как</a:t>
+            </a:r>
+            <a:r>
+              <a:rPr lang="en-US" dirty="0" smtClean="0">
+                <a:solidFill>
+                  <a:schemeClr val="accent2"/>
+                </a:solidFill>
+                <a:latin typeface="Helvetica Neue" panose="020B0604020202020204" charset="0"/>
+              </a:rPr>
+              <a:t>?</a:t>
+            </a:r>
+            <a:endParaRPr lang="ru-RU" dirty="0" smtClean="0">
+              <a:solidFill>
+                <a:schemeClr val="accent2"/>
+              </a:solidFill>
+              <a:latin typeface="Helvetica Neue" panose="020B0604020202020204" charset="0"/>
+            </a:endParaRPr>
+          </a:p>
+          <a:p>
+            <a:pPr>
+              <a:buClr>
+                <a:schemeClr val="tx1"/>
+              </a:buClr>
+            </a:pPr>
+            <a:r>
+              <a:rPr lang="ru-RU" dirty="0" smtClean="0">
+                <a:solidFill>
+                  <a:schemeClr val="accent2"/>
+                </a:solidFill>
+                <a:latin typeface="Helvetica Neue" panose="020B0604020202020204" charset="0"/>
+              </a:rPr>
+              <a:t>На бумажке</a:t>
+            </a:r>
+          </a:p>
+          <a:p>
+            <a:pPr>
+              <a:buClr>
+                <a:schemeClr val="tx1"/>
+              </a:buClr>
+            </a:pPr>
+            <a:r>
+              <a:rPr lang="ru-RU" dirty="0" smtClean="0">
+                <a:solidFill>
+                  <a:schemeClr val="accent2"/>
+                </a:solidFill>
+                <a:latin typeface="Helvetica Neue" panose="020B0604020202020204" charset="0"/>
+              </a:rPr>
+              <a:t>У доски</a:t>
+            </a:r>
+          </a:p>
+          <a:p>
+            <a:pPr>
+              <a:buClr>
+                <a:schemeClr val="tx1"/>
+              </a:buClr>
+            </a:pPr>
+            <a:r>
+              <a:rPr lang="ru-RU" dirty="0" smtClean="0">
+                <a:solidFill>
+                  <a:schemeClr val="accent2"/>
+                </a:solidFill>
+                <a:latin typeface="Helvetica Neue" panose="020B0604020202020204" charset="0"/>
+              </a:rPr>
+              <a:t>Формальное дизайн </a:t>
+            </a:r>
+            <a:r>
+              <a:rPr lang="ru-RU" dirty="0" err="1" smtClean="0">
+                <a:solidFill>
+                  <a:schemeClr val="accent2"/>
+                </a:solidFill>
+                <a:latin typeface="Helvetica Neue" panose="020B0604020202020204" charset="0"/>
+              </a:rPr>
+              <a:t>ревью</a:t>
+            </a:r>
+            <a:endParaRPr lang="ru-RU" dirty="0">
+              <a:solidFill>
+                <a:schemeClr val="accent2"/>
+              </a:solidFill>
+              <a:latin typeface="Helvetica Neue" panose="020B0604020202020204" charset="0"/>
+            </a:endParaRPr>
+          </a:p>
+        </p:txBody>
+      </p:sp>
+      <p:sp>
+        <p:nvSpPr>
+          <p:cNvPr id="4" name="Стрелка вправо 3"/>
+          <p:cNvSpPr/>
           <p:nvPr/>
-        </p:nvPicPr>
-        <p:blipFill>
-          <a:blip r:embed="rId4"/>
-          <a:stretch>
-            <a:fillRect/>
-          </a:stretch>
-        </p:blipFill>
+        </p:nvSpPr>
         <p:spPr>
           <a:xfrm>
-            <a:off x="311700" y="1098857"/>
-            <a:ext cx="9144000" cy="3366409"/>
+            <a:off x="2066544" y="4535424"/>
+            <a:ext cx="6601968" cy="173736"/>
+          </a:xfrm>
+          <a:prstGeom prst="rightArrow">
+            <a:avLst/>
+          </a:prstGeom>
+          <a:ln/>
+        </p:spPr>
+        <p:style>
+          <a:lnRef idx="2">
+            <a:schemeClr val="dk1">
+              <a:shade val="50000"/>
+            </a:schemeClr>
+          </a:lnRef>
+          <a:fillRef idx="1">
+            <a:schemeClr val="dk1"/>
+          </a:fillRef>
+          <a:effectRef idx="0">
+            <a:schemeClr val="dk1"/>
+          </a:effectRef>
+          <a:fontRef idx="minor">
+            <a:schemeClr val="lt1"/>
+          </a:fontRef>
+        </p:style>
+        <p:txBody>
+          <a:bodyPr rtlCol="0" anchor="ctr"/>
+          <a:lstStyle/>
+          <a:p>
+            <a:pPr algn="ctr"/>
+            <a:endParaRPr lang="ru-RU">
+              <a:latin typeface="Helvetica Neue" panose="020B0604020202020204" charset="0"/>
+            </a:endParaRPr>
+          </a:p>
+        </p:txBody>
+      </p:sp>
+      <p:sp>
+        <p:nvSpPr>
+          <p:cNvPr id="5" name="Овал 4"/>
+          <p:cNvSpPr/>
+          <p:nvPr/>
+        </p:nvSpPr>
+        <p:spPr>
+          <a:xfrm>
+            <a:off x="2578608" y="4535424"/>
+            <a:ext cx="197664" cy="173736"/>
+          </a:xfrm>
+          <a:prstGeom prst="ellipse">
+            <a:avLst/>
+          </a:prstGeom>
+        </p:spPr>
+        <p:style>
+          <a:lnRef idx="2">
+            <a:schemeClr val="accent4">
+              <a:shade val="50000"/>
+            </a:schemeClr>
+          </a:lnRef>
+          <a:fillRef idx="1">
+            <a:schemeClr val="accent4"/>
+          </a:fillRef>
+          <a:effectRef idx="0">
+            <a:schemeClr val="accent4"/>
+          </a:effectRef>
+          <a:fontRef idx="minor">
+            <a:schemeClr val="lt1"/>
+          </a:fontRef>
+        </p:style>
+        <p:txBody>
+          <a:bodyPr rtlCol="0" anchor="ctr"/>
+          <a:lstStyle/>
+          <a:p>
+            <a:pPr algn="ctr"/>
+            <a:endParaRPr lang="ru-RU">
+              <a:latin typeface="Helvetica Neue" panose="020B0604020202020204" charset="0"/>
+            </a:endParaRPr>
+          </a:p>
+        </p:txBody>
+      </p:sp>
+      <p:sp>
+        <p:nvSpPr>
+          <p:cNvPr id="6" name="Овал 5"/>
+          <p:cNvSpPr/>
+          <p:nvPr/>
+        </p:nvSpPr>
+        <p:spPr>
+          <a:xfrm>
+            <a:off x="3764280" y="4535424"/>
+            <a:ext cx="197664" cy="173736"/>
+          </a:xfrm>
+          <a:prstGeom prst="ellipse">
+            <a:avLst/>
+          </a:prstGeom>
+          <a:solidFill>
+            <a:schemeClr val="accent1"/>
+          </a:solidFill>
+        </p:spPr>
+        <p:style>
+          <a:lnRef idx="2">
+            <a:schemeClr val="accent1">
+              <a:shade val="50000"/>
+            </a:schemeClr>
+          </a:lnRef>
+          <a:fillRef idx="1">
+            <a:schemeClr val="accent1"/>
+          </a:fillRef>
+          <a:effectRef idx="0">
+            <a:schemeClr val="accent1"/>
+          </a:effectRef>
+          <a:fontRef idx="minor">
+            <a:schemeClr val="lt1"/>
+          </a:fontRef>
+        </p:style>
+        <p:txBody>
+          <a:bodyPr rtlCol="0" anchor="ctr"/>
+          <a:lstStyle/>
+          <a:p>
+            <a:pPr algn="ctr"/>
+            <a:endParaRPr lang="ru-RU">
+              <a:latin typeface="Helvetica Neue" panose="020B0604020202020204" charset="0"/>
+            </a:endParaRPr>
+          </a:p>
+        </p:txBody>
+      </p:sp>
+      <p:sp>
+        <p:nvSpPr>
+          <p:cNvPr id="7" name="Овал 6"/>
+          <p:cNvSpPr/>
+          <p:nvPr/>
+        </p:nvSpPr>
+        <p:spPr>
+          <a:xfrm>
+            <a:off x="4949952" y="4535424"/>
+            <a:ext cx="197664" cy="173736"/>
+          </a:xfrm>
+          <a:prstGeom prst="ellipse">
+            <a:avLst/>
+          </a:prstGeom>
+          <a:solidFill>
+            <a:schemeClr val="accent1"/>
+          </a:solidFill>
+        </p:spPr>
+        <p:style>
+          <a:lnRef idx="2">
+            <a:schemeClr val="accent1">
+              <a:shade val="50000"/>
+            </a:schemeClr>
+          </a:lnRef>
+          <a:fillRef idx="1">
+            <a:schemeClr val="accent1"/>
+          </a:fillRef>
+          <a:effectRef idx="0">
+            <a:schemeClr val="accent1"/>
+          </a:effectRef>
+          <a:fontRef idx="minor">
+            <a:schemeClr val="lt1"/>
+          </a:fontRef>
+        </p:style>
+        <p:txBody>
+          <a:bodyPr rtlCol="0" anchor="ctr"/>
+          <a:lstStyle/>
+          <a:p>
+            <a:pPr algn="ctr"/>
+            <a:endParaRPr lang="ru-RU">
+              <a:latin typeface="Helvetica Neue" panose="020B0604020202020204" charset="0"/>
+            </a:endParaRPr>
+          </a:p>
+        </p:txBody>
+      </p:sp>
+      <p:sp>
+        <p:nvSpPr>
+          <p:cNvPr id="8" name="Овал 7"/>
+          <p:cNvSpPr/>
+          <p:nvPr/>
+        </p:nvSpPr>
+        <p:spPr>
+          <a:xfrm>
+            <a:off x="6135624" y="4535424"/>
+            <a:ext cx="197664" cy="173736"/>
+          </a:xfrm>
+          <a:prstGeom prst="ellipse">
+            <a:avLst/>
+          </a:prstGeom>
+          <a:solidFill>
+            <a:schemeClr val="accent1"/>
+          </a:solidFill>
+        </p:spPr>
+        <p:style>
+          <a:lnRef idx="2">
+            <a:schemeClr val="accent1">
+              <a:shade val="50000"/>
+            </a:schemeClr>
+          </a:lnRef>
+          <a:fillRef idx="1">
+            <a:schemeClr val="accent1"/>
+          </a:fillRef>
+          <a:effectRef idx="0">
+            <a:schemeClr val="accent1"/>
+          </a:effectRef>
+          <a:fontRef idx="minor">
+            <a:schemeClr val="lt1"/>
+          </a:fontRef>
+        </p:style>
+        <p:txBody>
+          <a:bodyPr rtlCol="0" anchor="ctr"/>
+          <a:lstStyle/>
+          <a:p>
+            <a:pPr algn="ctr"/>
+            <a:endParaRPr lang="ru-RU">
+              <a:latin typeface="Helvetica Neue" panose="020B0604020202020204" charset="0"/>
+            </a:endParaRPr>
+          </a:p>
+        </p:txBody>
+      </p:sp>
+      <p:sp>
+        <p:nvSpPr>
+          <p:cNvPr id="9" name="Google Shape;102;p21"/>
+          <p:cNvSpPr txBox="1"/>
+          <p:nvPr/>
+        </p:nvSpPr>
+        <p:spPr>
+          <a:xfrm>
+            <a:off x="1925322" y="4099267"/>
+            <a:ext cx="1701900" cy="425100"/>
           </a:xfrm>
           <a:prstGeom prst="rect">
             <a:avLst/>
           </a:prstGeom>
+          <a:noFill/>
+          <a:ln>
+            <a:noFill/>
+          </a:ln>
         </p:spPr>
-      </p:pic>
-      <p:sp>
-        <p:nvSpPr>
-          <p:cNvPr id="3" name="Номер слайда 2"/>
+        <p:txBody>
+          <a:bodyPr spcFirstLastPara="1" wrap="square" lIns="91425" tIns="91425" rIns="91425" bIns="91425" anchor="t" anchorCtr="0">
+            <a:noAutofit/>
+          </a:bodyPr>
+          <a:lstStyle/>
+          <a:p>
+            <a:pPr marL="0" lvl="0" indent="0">
+              <a:spcBef>
+                <a:spcPts val="0"/>
+              </a:spcBef>
+              <a:spcAft>
+                <a:spcPts val="0"/>
+              </a:spcAft>
+              <a:buNone/>
+            </a:pPr>
+            <a:r>
+              <a:rPr lang="ru" dirty="0">
+                <a:solidFill>
+                  <a:srgbClr val="FFFFFF"/>
+                </a:solidFill>
+                <a:latin typeface="Helvetica Neue" panose="020B0604020202020204" charset="0"/>
+                <a:ea typeface="Helvetica Neue"/>
+                <a:cs typeface="Helvetica Neue"/>
+                <a:sym typeface="Helvetica Neue"/>
+              </a:rPr>
+              <a:t>Проектирование</a:t>
+            </a:r>
+            <a:endParaRPr dirty="0">
+              <a:solidFill>
+                <a:srgbClr val="FFFFFF"/>
+              </a:solidFill>
+              <a:latin typeface="Helvetica Neue" panose="020B0604020202020204" charset="0"/>
+              <a:ea typeface="Helvetica Neue"/>
+              <a:cs typeface="Helvetica Neue"/>
+              <a:sym typeface="Helvetica Neue"/>
+            </a:endParaRPr>
+          </a:p>
+        </p:txBody>
+      </p:sp>
+      <p:sp>
+        <p:nvSpPr>
+          <p:cNvPr id="10" name="Овал 9"/>
+          <p:cNvSpPr/>
+          <p:nvPr/>
+        </p:nvSpPr>
+        <p:spPr>
+          <a:xfrm>
+            <a:off x="7321296" y="4524367"/>
+            <a:ext cx="197664" cy="173736"/>
+          </a:xfrm>
+          <a:prstGeom prst="ellipse">
+            <a:avLst/>
+          </a:prstGeom>
+          <a:solidFill>
+            <a:schemeClr val="accent1"/>
+          </a:solidFill>
+        </p:spPr>
+        <p:style>
+          <a:lnRef idx="2">
+            <a:schemeClr val="accent1">
+              <a:shade val="50000"/>
+            </a:schemeClr>
+          </a:lnRef>
+          <a:fillRef idx="1">
+            <a:schemeClr val="accent1"/>
+          </a:fillRef>
+          <a:effectRef idx="0">
+            <a:schemeClr val="accent1"/>
+          </a:effectRef>
+          <a:fontRef idx="minor">
+            <a:schemeClr val="lt1"/>
+          </a:fontRef>
+        </p:style>
+        <p:txBody>
+          <a:bodyPr rtlCol="0" anchor="ctr"/>
+          <a:lstStyle/>
+          <a:p>
+            <a:pPr algn="ctr"/>
+            <a:endParaRPr lang="ru-RU">
+              <a:latin typeface="Helvetica Neue" panose="020B0604020202020204" charset="0"/>
+            </a:endParaRPr>
+          </a:p>
+        </p:txBody>
+      </p:sp>
+      <p:sp>
+        <p:nvSpPr>
+          <p:cNvPr id="11" name="Номер слайда 10"/>
           <p:cNvSpPr>
             <a:spLocks noGrp="1"/>
           </p:cNvSpPr>
@@ -12926,7 +13026,7 @@
     </p:spTree>
     <p:extLst>
       <p:ext uri="{BB962C8B-B14F-4D97-AF65-F5344CB8AC3E}">
-        <p14:creationId xmlns:p14="http://schemas.microsoft.com/office/powerpoint/2010/main" val="3380013375"/>
+        <p14:creationId xmlns:p14="http://schemas.microsoft.com/office/powerpoint/2010/main" val="3701032368"/>
       </p:ext>
     </p:extLst>
   </p:cSld>
@@ -12976,12 +13076,12 @@
       </p:grpSpPr>
       <p:sp>
         <p:nvSpPr>
-          <p:cNvPr id="2" name="Заголовок 1"/>
+          <p:cNvPr id="2" name="Номер слайда 1"/>
           <p:cNvSpPr>
             <a:spLocks noGrp="1"/>
           </p:cNvSpPr>
           <p:nvPr>
-            <p:ph type="title"/>
+            <p:ph type="sldNum" idx="12"/>
           </p:nvPr>
         </p:nvSpPr>
         <p:spPr/>
@@ -12989,286 +13089,61 @@
           <a:bodyPr/>
           <a:lstStyle/>
           <a:p>
-            <a:r>
-              <a:rPr lang="ru-RU" sz="3000" dirty="0" smtClean="0">
-                <a:solidFill>
-                  <a:schemeClr val="tx1"/>
-                </a:solidFill>
-                <a:latin typeface="Helvetica Neue" panose="020B0604020202020204" charset="0"/>
-              </a:rPr>
-              <a:t>Дизайн </a:t>
-            </a:r>
-            <a:r>
-              <a:rPr lang="ru-RU" sz="3000" dirty="0" err="1" smtClean="0">
-                <a:solidFill>
-                  <a:schemeClr val="tx1"/>
-                </a:solidFill>
-                <a:latin typeface="Helvetica Neue" panose="020B0604020202020204" charset="0"/>
-              </a:rPr>
-              <a:t>ревью</a:t>
-            </a:r>
-            <a:endParaRPr lang="ru-RU" sz="3000" dirty="0">
-              <a:solidFill>
-                <a:schemeClr val="tx1"/>
-              </a:solidFill>
-              <a:latin typeface="Helvetica Neue" panose="020B0604020202020204" charset="0"/>
-            </a:endParaRPr>
+            <a:pPr marL="0" lvl="0" indent="0">
+              <a:spcBef>
+                <a:spcPts val="0"/>
+              </a:spcBef>
+              <a:spcAft>
+                <a:spcPts val="0"/>
+              </a:spcAft>
+              <a:buNone/>
+            </a:pPr>
+            <a:fld id="{00000000-1234-1234-1234-123412341234}" type="slidenum">
+              <a:rPr lang="ru" smtClean="0"/>
+              <a:t>11</a:t>
+            </a:fld>
+            <a:endParaRPr lang="ru"/>
           </a:p>
         </p:txBody>
       </p:sp>
-      <p:sp>
-        <p:nvSpPr>
-          <p:cNvPr id="3" name="Текст 2"/>
-          <p:cNvSpPr>
-            <a:spLocks noGrp="1"/>
-          </p:cNvSpPr>
-          <p:nvPr>
-            <p:ph type="body" idx="1"/>
-          </p:nvPr>
-        </p:nvSpPr>
-        <p:spPr/>
-        <p:txBody>
-          <a:bodyPr/>
-          <a:lstStyle/>
-          <a:p>
-            <a:pPr>
-              <a:buClr>
-                <a:schemeClr val="tx1"/>
-              </a:buClr>
-            </a:pPr>
-            <a:r>
-              <a:rPr lang="ru-RU" dirty="0" smtClean="0">
-                <a:solidFill>
-                  <a:schemeClr val="accent2"/>
-                </a:solidFill>
-                <a:latin typeface="Helvetica Neue" panose="020B0604020202020204" charset="0"/>
-              </a:rPr>
-              <a:t>Отдельно взятый класс</a:t>
-            </a:r>
-            <a:r>
-              <a:rPr lang="en-US" dirty="0" smtClean="0">
-                <a:solidFill>
-                  <a:schemeClr val="accent2"/>
-                </a:solidFill>
-                <a:latin typeface="Helvetica Neue" panose="020B0604020202020204" charset="0"/>
-              </a:rPr>
-              <a:t>/</a:t>
-            </a:r>
-            <a:r>
-              <a:rPr lang="ru-RU" dirty="0" smtClean="0">
-                <a:solidFill>
-                  <a:schemeClr val="accent2"/>
-                </a:solidFill>
-                <a:latin typeface="Helvetica Neue" panose="020B0604020202020204" charset="0"/>
-              </a:rPr>
-              <a:t>набор классов</a:t>
-            </a:r>
-          </a:p>
-          <a:p>
-            <a:pPr>
-              <a:buClr>
-                <a:schemeClr val="tx1"/>
-              </a:buClr>
-            </a:pPr>
-            <a:r>
-              <a:rPr lang="ru-RU" dirty="0" smtClean="0">
-                <a:solidFill>
-                  <a:schemeClr val="accent2"/>
-                </a:solidFill>
-                <a:latin typeface="Helvetica Neue" panose="020B0604020202020204" charset="0"/>
-              </a:rPr>
-              <a:t>Отдельно взятый функциональный блок</a:t>
-            </a:r>
-            <a:r>
-              <a:rPr lang="en-US" dirty="0" smtClean="0">
-                <a:solidFill>
-                  <a:schemeClr val="accent2"/>
-                </a:solidFill>
-                <a:latin typeface="Helvetica Neue" panose="020B0604020202020204" charset="0"/>
-              </a:rPr>
-              <a:t>/</a:t>
-            </a:r>
-            <a:r>
-              <a:rPr lang="ru-RU" dirty="0" err="1" smtClean="0">
-                <a:solidFill>
-                  <a:schemeClr val="accent2"/>
-                </a:solidFill>
-                <a:latin typeface="Helvetica Neue" panose="020B0604020202020204" charset="0"/>
-              </a:rPr>
-              <a:t>микросервис</a:t>
-            </a:r>
-            <a:r>
-              <a:rPr lang="en-US" dirty="0" smtClean="0">
-                <a:solidFill>
-                  <a:schemeClr val="accent2"/>
-                </a:solidFill>
-                <a:latin typeface="Helvetica Neue" panose="020B0604020202020204" charset="0"/>
-              </a:rPr>
-              <a:t>/</a:t>
-            </a:r>
-            <a:r>
-              <a:rPr lang="ru-RU" dirty="0" smtClean="0">
-                <a:solidFill>
-                  <a:schemeClr val="accent2"/>
-                </a:solidFill>
-                <a:latin typeface="Helvetica Neue" panose="020B0604020202020204" charset="0"/>
-              </a:rPr>
-              <a:t>сервис</a:t>
-            </a:r>
-            <a:endParaRPr lang="en-US" dirty="0" smtClean="0">
-              <a:solidFill>
-                <a:schemeClr val="accent2"/>
-              </a:solidFill>
-              <a:latin typeface="Helvetica Neue" panose="020B0604020202020204" charset="0"/>
-            </a:endParaRPr>
-          </a:p>
-          <a:p>
-            <a:pPr>
-              <a:buClr>
-                <a:schemeClr val="tx1"/>
-              </a:buClr>
-            </a:pPr>
-            <a:r>
-              <a:rPr lang="ru-RU" dirty="0" smtClean="0">
-                <a:solidFill>
-                  <a:schemeClr val="accent2"/>
-                </a:solidFill>
-                <a:latin typeface="Helvetica Neue" panose="020B0604020202020204" charset="0"/>
-              </a:rPr>
-              <a:t>Система в целом</a:t>
-            </a:r>
-            <a:endParaRPr lang="en-US" dirty="0" smtClean="0">
-              <a:solidFill>
-                <a:schemeClr val="accent2"/>
-              </a:solidFill>
-              <a:latin typeface="Helvetica Neue" panose="020B0604020202020204" charset="0"/>
-            </a:endParaRPr>
-          </a:p>
-          <a:p>
-            <a:pPr>
-              <a:buClr>
-                <a:schemeClr val="tx1"/>
-              </a:buClr>
-            </a:pPr>
-            <a:endParaRPr lang="en-US" dirty="0">
-              <a:solidFill>
-                <a:schemeClr val="accent2"/>
-              </a:solidFill>
-              <a:latin typeface="Helvetica Neue" panose="020B0604020202020204" charset="0"/>
-            </a:endParaRPr>
-          </a:p>
-          <a:p>
-            <a:pPr marL="114300" indent="0">
-              <a:buClr>
-                <a:schemeClr val="tx1"/>
-              </a:buClr>
-              <a:buNone/>
-            </a:pPr>
-            <a:r>
-              <a:rPr lang="ru-RU" dirty="0" smtClean="0">
-                <a:solidFill>
-                  <a:schemeClr val="accent2"/>
-                </a:solidFill>
-                <a:latin typeface="Helvetica Neue" panose="020B0604020202020204" charset="0"/>
-              </a:rPr>
-              <a:t>Как</a:t>
-            </a:r>
-            <a:r>
-              <a:rPr lang="en-US" dirty="0" smtClean="0">
-                <a:solidFill>
-                  <a:schemeClr val="accent2"/>
-                </a:solidFill>
-                <a:latin typeface="Helvetica Neue" panose="020B0604020202020204" charset="0"/>
-              </a:rPr>
-              <a:t>?</a:t>
-            </a:r>
-            <a:endParaRPr lang="ru-RU" dirty="0" smtClean="0">
-              <a:solidFill>
-                <a:schemeClr val="accent2"/>
-              </a:solidFill>
-              <a:latin typeface="Helvetica Neue" panose="020B0604020202020204" charset="0"/>
-            </a:endParaRPr>
-          </a:p>
-          <a:p>
-            <a:pPr>
-              <a:buClr>
-                <a:schemeClr val="tx1"/>
-              </a:buClr>
-            </a:pPr>
-            <a:r>
-              <a:rPr lang="ru-RU" dirty="0" smtClean="0">
-                <a:solidFill>
-                  <a:schemeClr val="accent2"/>
-                </a:solidFill>
-                <a:latin typeface="Helvetica Neue" panose="020B0604020202020204" charset="0"/>
-              </a:rPr>
-              <a:t>На бумажке</a:t>
-            </a:r>
-          </a:p>
-          <a:p>
-            <a:pPr>
-              <a:buClr>
-                <a:schemeClr val="tx1"/>
-              </a:buClr>
-            </a:pPr>
-            <a:r>
-              <a:rPr lang="ru-RU" dirty="0" smtClean="0">
-                <a:solidFill>
-                  <a:schemeClr val="accent2"/>
-                </a:solidFill>
-                <a:latin typeface="Helvetica Neue" panose="020B0604020202020204" charset="0"/>
-              </a:rPr>
-              <a:t>У доски</a:t>
-            </a:r>
-          </a:p>
-          <a:p>
-            <a:pPr>
-              <a:buClr>
-                <a:schemeClr val="tx1"/>
-              </a:buClr>
-            </a:pPr>
-            <a:r>
-              <a:rPr lang="ru-RU" dirty="0" smtClean="0">
-                <a:solidFill>
-                  <a:schemeClr val="accent2"/>
-                </a:solidFill>
-                <a:latin typeface="Helvetica Neue" panose="020B0604020202020204" charset="0"/>
-              </a:rPr>
-              <a:t>Формальное дизайн </a:t>
-            </a:r>
-            <a:r>
-              <a:rPr lang="ru-RU" dirty="0" err="1" smtClean="0">
-                <a:solidFill>
-                  <a:schemeClr val="accent2"/>
-                </a:solidFill>
-                <a:latin typeface="Helvetica Neue" panose="020B0604020202020204" charset="0"/>
-              </a:rPr>
-              <a:t>ревью</a:t>
-            </a:r>
-            <a:endParaRPr lang="ru-RU" dirty="0">
-              <a:solidFill>
-                <a:schemeClr val="accent2"/>
-              </a:solidFill>
-              <a:latin typeface="Helvetica Neue" panose="020B0604020202020204" charset="0"/>
-            </a:endParaRPr>
-          </a:p>
-        </p:txBody>
-      </p:sp>
-      <p:sp>
-        <p:nvSpPr>
-          <p:cNvPr id="4" name="Стрелка вправо 3"/>
+      <p:pic>
+        <p:nvPicPr>
+          <p:cNvPr id="6" name="Рисунок 5"/>
+          <p:cNvPicPr>
+            <a:picLocks noChangeAspect="1"/>
+          </p:cNvPicPr>
+          <p:nvPr/>
+        </p:nvPicPr>
+        <p:blipFill>
+          <a:blip r:embed="rId4"/>
+          <a:stretch>
+            <a:fillRect/>
+          </a:stretch>
+        </p:blipFill>
+        <p:spPr>
+          <a:xfrm>
+            <a:off x="1376981" y="147850"/>
+            <a:ext cx="6213565" cy="4908967"/>
+          </a:xfrm>
+          <a:prstGeom prst="rect">
+            <a:avLst/>
+          </a:prstGeom>
+        </p:spPr>
+      </p:pic>
+      <p:sp>
+        <p:nvSpPr>
+          <p:cNvPr id="7" name="Прямоугольник 6"/>
           <p:cNvSpPr/>
           <p:nvPr/>
         </p:nvSpPr>
         <p:spPr>
           <a:xfrm>
-            <a:off x="2066544" y="4535424"/>
-            <a:ext cx="6601968" cy="173736"/>
+            <a:off x="1463040" y="903642"/>
+            <a:ext cx="892885" cy="193638"/>
           </a:xfrm>
-          <a:prstGeom prst="rightArrow">
+          <a:prstGeom prst="rect">
             <a:avLst/>
           </a:prstGeom>
-          <a:ln/>
         </p:spPr>
         <p:style>
           <a:lnRef idx="2">
@@ -13291,328 +13166,14 @@
           <a:lstStyle/>
           <a:p>
             <a:pPr algn="ctr"/>
-            <a:endParaRPr lang="ru-RU">
-              <a:latin typeface="Helvetica Neue" panose="020B0604020202020204" charset="0"/>
-            </a:endParaRPr>
-          </a:p>
-        </p:txBody>
-      </p:sp>
-      <p:sp>
-        <p:nvSpPr>
-          <p:cNvPr id="5" name="Овал 4"/>
-          <p:cNvSpPr/>
-          <p:nvPr/>
-        </p:nvSpPr>
-        <p:spPr>
-          <a:xfrm>
-            <a:off x="2578608" y="4535424"/>
-            <a:ext cx="197664" cy="173736"/>
-          </a:xfrm>
-          <a:prstGeom prst="ellipse">
-            <a:avLst/>
-          </a:prstGeom>
-        </p:spPr>
-        <p:style>
-          <a:lnRef idx="2">
-            <a:schemeClr val="accent4">
-              <a:shade val="50000"/>
-            </a:schemeClr>
-          </a:lnRef>
-          <a:fillRef idx="1">
-            <a:schemeClr val="accent4"/>
-          </a:fillRef>
-          <a:effectRef idx="0">
-            <a:schemeClr val="accent4"/>
-          </a:effectRef>
-          <a:fontRef idx="minor">
-            <a:schemeClr val="lt1"/>
-          </a:fontRef>
-        </p:style>
-        <p:txBody>
-          <a:bodyPr rtlCol="0" anchor="ctr"/>
-          <a:lstStyle/>
-          <a:p>
-            <a:pPr algn="ctr"/>
-            <a:endParaRPr lang="ru-RU">
-              <a:latin typeface="Helvetica Neue" panose="020B0604020202020204" charset="0"/>
-            </a:endParaRPr>
-          </a:p>
-        </p:txBody>
-      </p:sp>
-      <p:sp>
-        <p:nvSpPr>
-          <p:cNvPr id="6" name="Овал 5"/>
-          <p:cNvSpPr/>
-          <p:nvPr/>
-        </p:nvSpPr>
-        <p:spPr>
-          <a:xfrm>
-            <a:off x="3764280" y="4535424"/>
-            <a:ext cx="197664" cy="173736"/>
-          </a:xfrm>
-          <a:prstGeom prst="ellipse">
-            <a:avLst/>
-          </a:prstGeom>
-          <a:solidFill>
-            <a:schemeClr val="accent1"/>
-          </a:solidFill>
-        </p:spPr>
-        <p:style>
-          <a:lnRef idx="2">
-            <a:schemeClr val="accent1">
-              <a:shade val="50000"/>
-            </a:schemeClr>
-          </a:lnRef>
-          <a:fillRef idx="1">
-            <a:schemeClr val="accent1"/>
-          </a:fillRef>
-          <a:effectRef idx="0">
-            <a:schemeClr val="accent1"/>
-          </a:effectRef>
-          <a:fontRef idx="minor">
-            <a:schemeClr val="lt1"/>
-          </a:fontRef>
-        </p:style>
-        <p:txBody>
-          <a:bodyPr rtlCol="0" anchor="ctr"/>
-          <a:lstStyle/>
-          <a:p>
-            <a:pPr algn="ctr"/>
-            <a:endParaRPr lang="ru-RU">
-              <a:latin typeface="Helvetica Neue" panose="020B0604020202020204" charset="0"/>
-            </a:endParaRPr>
-          </a:p>
-        </p:txBody>
-      </p:sp>
-      <p:sp>
-        <p:nvSpPr>
-          <p:cNvPr id="7" name="Овал 6"/>
-          <p:cNvSpPr/>
-          <p:nvPr/>
-        </p:nvSpPr>
-        <p:spPr>
-          <a:xfrm>
-            <a:off x="4949952" y="4535424"/>
-            <a:ext cx="197664" cy="173736"/>
-          </a:xfrm>
-          <a:prstGeom prst="ellipse">
-            <a:avLst/>
-          </a:prstGeom>
-          <a:solidFill>
-            <a:schemeClr val="accent1"/>
-          </a:solidFill>
-        </p:spPr>
-        <p:style>
-          <a:lnRef idx="2">
-            <a:schemeClr val="accent1">
-              <a:shade val="50000"/>
-            </a:schemeClr>
-          </a:lnRef>
-          <a:fillRef idx="1">
-            <a:schemeClr val="accent1"/>
-          </a:fillRef>
-          <a:effectRef idx="0">
-            <a:schemeClr val="accent1"/>
-          </a:effectRef>
-          <a:fontRef idx="minor">
-            <a:schemeClr val="lt1"/>
-          </a:fontRef>
-        </p:style>
-        <p:txBody>
-          <a:bodyPr rtlCol="0" anchor="ctr"/>
-          <a:lstStyle/>
-          <a:p>
-            <a:pPr algn="ctr"/>
-            <a:endParaRPr lang="ru-RU">
-              <a:latin typeface="Helvetica Neue" panose="020B0604020202020204" charset="0"/>
-            </a:endParaRPr>
-          </a:p>
-        </p:txBody>
-      </p:sp>
-      <p:sp>
-        <p:nvSpPr>
-          <p:cNvPr id="8" name="Овал 7"/>
-          <p:cNvSpPr/>
-          <p:nvPr/>
-        </p:nvSpPr>
-        <p:spPr>
-          <a:xfrm>
-            <a:off x="6135624" y="4535424"/>
-            <a:ext cx="197664" cy="173736"/>
-          </a:xfrm>
-          <a:prstGeom prst="ellipse">
-            <a:avLst/>
-          </a:prstGeom>
-          <a:solidFill>
-            <a:schemeClr val="accent1"/>
-          </a:solidFill>
-        </p:spPr>
-        <p:style>
-          <a:lnRef idx="2">
-            <a:schemeClr val="accent1">
-              <a:shade val="50000"/>
-            </a:schemeClr>
-          </a:lnRef>
-          <a:fillRef idx="1">
-            <a:schemeClr val="accent1"/>
-          </a:fillRef>
-          <a:effectRef idx="0">
-            <a:schemeClr val="accent1"/>
-          </a:effectRef>
-          <a:fontRef idx="minor">
-            <a:schemeClr val="lt1"/>
-          </a:fontRef>
-        </p:style>
-        <p:txBody>
-          <a:bodyPr rtlCol="0" anchor="ctr"/>
-          <a:lstStyle/>
-          <a:p>
-            <a:pPr algn="ctr"/>
-            <a:endParaRPr lang="ru-RU">
-              <a:latin typeface="Helvetica Neue" panose="020B0604020202020204" charset="0"/>
-            </a:endParaRPr>
-          </a:p>
-        </p:txBody>
-      </p:sp>
-      <p:sp>
-        <p:nvSpPr>
-          <p:cNvPr id="9" name="Google Shape;102;p21"/>
-          <p:cNvSpPr txBox="1"/>
-          <p:nvPr/>
-        </p:nvSpPr>
-        <p:spPr>
-          <a:xfrm>
-            <a:off x="1925322" y="4099267"/>
-            <a:ext cx="1701900" cy="425100"/>
-          </a:xfrm>
-          <a:prstGeom prst="rect">
-            <a:avLst/>
-          </a:prstGeom>
-          <a:noFill/>
-          <a:ln>
-            <a:noFill/>
-          </a:ln>
-        </p:spPr>
-        <p:txBody>
-          <a:bodyPr spcFirstLastPara="1" wrap="square" lIns="91425" tIns="91425" rIns="91425" bIns="91425" anchor="t" anchorCtr="0">
-            <a:noAutofit/>
-          </a:bodyPr>
-          <a:lstStyle/>
-          <a:p>
-            <a:pPr marL="0" lvl="0" indent="0">
-              <a:spcBef>
-                <a:spcPts val="0"/>
-              </a:spcBef>
-              <a:spcAft>
-                <a:spcPts val="0"/>
-              </a:spcAft>
-              <a:buNone/>
-            </a:pPr>
-            <a:r>
-              <a:rPr lang="ru" dirty="0">
-                <a:solidFill>
-                  <a:srgbClr val="FFFFFF"/>
-                </a:solidFill>
-                <a:latin typeface="Helvetica Neue" panose="020B0604020202020204" charset="0"/>
-                <a:ea typeface="Helvetica Neue"/>
-                <a:cs typeface="Helvetica Neue"/>
-                <a:sym typeface="Helvetica Neue"/>
-              </a:rPr>
-              <a:t>Проектирование</a:t>
-            </a:r>
-            <a:endParaRPr dirty="0">
-              <a:solidFill>
-                <a:srgbClr val="FFFFFF"/>
-              </a:solidFill>
-              <a:latin typeface="Helvetica Neue" panose="020B0604020202020204" charset="0"/>
-              <a:ea typeface="Helvetica Neue"/>
-              <a:cs typeface="Helvetica Neue"/>
-              <a:sym typeface="Helvetica Neue"/>
-            </a:endParaRPr>
-          </a:p>
-        </p:txBody>
-      </p:sp>
-      <p:sp>
-        <p:nvSpPr>
-          <p:cNvPr id="10" name="Овал 9"/>
-          <p:cNvSpPr/>
-          <p:nvPr/>
-        </p:nvSpPr>
-        <p:spPr>
-          <a:xfrm>
-            <a:off x="7321296" y="4524367"/>
-            <a:ext cx="197664" cy="173736"/>
-          </a:xfrm>
-          <a:prstGeom prst="ellipse">
-            <a:avLst/>
-          </a:prstGeom>
-          <a:solidFill>
-            <a:schemeClr val="accent1"/>
-          </a:solidFill>
-        </p:spPr>
-        <p:style>
-          <a:lnRef idx="2">
-            <a:schemeClr val="accent1">
-              <a:shade val="50000"/>
-            </a:schemeClr>
-          </a:lnRef>
-          <a:fillRef idx="1">
-            <a:schemeClr val="accent1"/>
-          </a:fillRef>
-          <a:effectRef idx="0">
-            <a:schemeClr val="accent1"/>
-          </a:effectRef>
-          <a:fontRef idx="minor">
-            <a:schemeClr val="lt1"/>
-          </a:fontRef>
-        </p:style>
-        <p:txBody>
-          <a:bodyPr rtlCol="0" anchor="ctr"/>
-          <a:lstStyle/>
-          <a:p>
-            <a:pPr algn="ctr"/>
-            <a:endParaRPr lang="ru-RU">
-              <a:latin typeface="Helvetica Neue" panose="020B0604020202020204" charset="0"/>
-            </a:endParaRPr>
-          </a:p>
-        </p:txBody>
-      </p:sp>
-      <p:sp>
-        <p:nvSpPr>
-          <p:cNvPr id="11" name="Номер слайда 10"/>
-          <p:cNvSpPr>
-            <a:spLocks noGrp="1"/>
-          </p:cNvSpPr>
-          <p:nvPr>
-            <p:ph type="sldNum" idx="12"/>
-          </p:nvPr>
-        </p:nvSpPr>
-        <p:spPr/>
-        <p:txBody>
-          <a:bodyPr/>
-          <a:lstStyle/>
-          <a:p>
-            <a:pPr marL="0" lvl="0" indent="0">
-              <a:spcBef>
-                <a:spcPts val="0"/>
-              </a:spcBef>
-              <a:spcAft>
-                <a:spcPts val="0"/>
-              </a:spcAft>
-              <a:buNone/>
-            </a:pPr>
-            <a:fld id="{00000000-1234-1234-1234-123412341234}" type="slidenum">
-              <a:rPr lang="ru" smtClean="0"/>
-              <a:t>11</a:t>
-            </a:fld>
-            <a:endParaRPr lang="ru"/>
+            <a:endParaRPr lang="ru-RU"/>
           </a:p>
         </p:txBody>
       </p:sp>
     </p:spTree>
     <p:extLst>
       <p:ext uri="{BB962C8B-B14F-4D97-AF65-F5344CB8AC3E}">
-        <p14:creationId xmlns:p14="http://schemas.microsoft.com/office/powerpoint/2010/main" val="3701032368"/>
+        <p14:creationId xmlns:p14="http://schemas.microsoft.com/office/powerpoint/2010/main" val="661772960"/>
       </p:ext>
     </p:extLst>
   </p:cSld>
@@ -13660,9 +13221,41 @@
           <a:chExt cx="0" cy="0"/>
         </a:xfrm>
       </p:grpSpPr>
+      <p:sp>
+        <p:nvSpPr>
+          <p:cNvPr id="2" name="Номер слайда 1"/>
+          <p:cNvSpPr>
+            <a:spLocks noGrp="1"/>
+          </p:cNvSpPr>
+          <p:nvPr>
+            <p:ph type="sldNum" idx="12"/>
+          </p:nvPr>
+        </p:nvSpPr>
+        <p:spPr/>
+        <p:txBody>
+          <a:bodyPr/>
+          <a:lstStyle/>
+          <a:p>
+            <a:pPr marL="0" lvl="0" indent="0">
+              <a:spcBef>
+                <a:spcPts val="0"/>
+              </a:spcBef>
+              <a:spcAft>
+                <a:spcPts val="0"/>
+              </a:spcAft>
+              <a:buNone/>
+            </a:pPr>
+            <a:fld id="{00000000-1234-1234-1234-123412341234}" type="slidenum">
+              <a:rPr lang="ru" smtClean="0"/>
+              <a:t>12</a:t>
+            </a:fld>
+            <a:endParaRPr lang="ru"/>
+          </a:p>
+        </p:txBody>
+      </p:sp>
       <p:pic>
         <p:nvPicPr>
-          <p:cNvPr id="5" name="Рисунок 4"/>
+          <p:cNvPr id="3" name="Рисунок 2"/>
           <p:cNvPicPr>
             <a:picLocks noChangeAspect="1"/>
           </p:cNvPicPr>
@@ -13676,50 +13269,18 @@
         </p:blipFill>
         <p:spPr>
           <a:xfrm>
-            <a:off x="1673352" y="587957"/>
-            <a:ext cx="5942674" cy="4011475"/>
+            <a:off x="919162" y="661987"/>
+            <a:ext cx="7305675" cy="3819525"/>
           </a:xfrm>
           <a:prstGeom prst="rect">
             <a:avLst/>
           </a:prstGeom>
         </p:spPr>
       </p:pic>
-      <p:sp>
-        <p:nvSpPr>
-          <p:cNvPr id="2" name="Номер слайда 1"/>
-          <p:cNvSpPr>
-            <a:spLocks noGrp="1"/>
-          </p:cNvSpPr>
-          <p:nvPr>
-            <p:ph type="sldNum" idx="12"/>
-          </p:nvPr>
-        </p:nvSpPr>
-        <p:spPr/>
-        <p:txBody>
-          <a:bodyPr/>
-          <a:lstStyle/>
-          <a:p>
-            <a:pPr marL="0" lvl="0" indent="0">
-              <a:spcBef>
-                <a:spcPts val="0"/>
-              </a:spcBef>
-              <a:spcAft>
-                <a:spcPts val="0"/>
-              </a:spcAft>
-              <a:buNone/>
-            </a:pPr>
-            <a:fld id="{00000000-1234-1234-1234-123412341234}" type="slidenum">
-              <a:rPr lang="ru" smtClean="0"/>
-              <a:t>12</a:t>
-            </a:fld>
-            <a:endParaRPr lang="ru"/>
-          </a:p>
-        </p:txBody>
-      </p:sp>
     </p:spTree>
     <p:extLst>
       <p:ext uri="{BB962C8B-B14F-4D97-AF65-F5344CB8AC3E}">
-        <p14:creationId xmlns:p14="http://schemas.microsoft.com/office/powerpoint/2010/main" val="661772960"/>
+        <p14:creationId xmlns:p14="http://schemas.microsoft.com/office/powerpoint/2010/main" val="2066962112"/>
       </p:ext>
     </p:extLst>
   </p:cSld>
@@ -13767,9 +13328,41 @@
           <a:chExt cx="0" cy="0"/>
         </a:xfrm>
       </p:grpSpPr>
+      <p:sp>
+        <p:nvSpPr>
+          <p:cNvPr id="2" name="Номер слайда 1"/>
+          <p:cNvSpPr>
+            <a:spLocks noGrp="1"/>
+          </p:cNvSpPr>
+          <p:nvPr>
+            <p:ph type="sldNum" idx="12"/>
+          </p:nvPr>
+        </p:nvSpPr>
+        <p:spPr/>
+        <p:txBody>
+          <a:bodyPr/>
+          <a:lstStyle/>
+          <a:p>
+            <a:pPr marL="0" lvl="0" indent="0">
+              <a:spcBef>
+                <a:spcPts val="0"/>
+              </a:spcBef>
+              <a:spcAft>
+                <a:spcPts val="0"/>
+              </a:spcAft>
+              <a:buNone/>
+            </a:pPr>
+            <a:fld id="{00000000-1234-1234-1234-123412341234}" type="slidenum">
+              <a:rPr lang="ru" smtClean="0"/>
+              <a:t>13</a:t>
+            </a:fld>
+            <a:endParaRPr lang="ru"/>
+          </a:p>
+        </p:txBody>
+      </p:sp>
       <p:pic>
         <p:nvPicPr>
-          <p:cNvPr id="4" name="Рисунок 3"/>
+          <p:cNvPr id="5" name="Рисунок 4"/>
           <p:cNvPicPr>
             <a:picLocks noChangeAspect="1"/>
           </p:cNvPicPr>
@@ -13783,50 +13376,18 @@
         </p:blipFill>
         <p:spPr>
           <a:xfrm>
-            <a:off x="381000" y="1604962"/>
-            <a:ext cx="8382000" cy="1933575"/>
+            <a:off x="776287" y="1576387"/>
+            <a:ext cx="7591425" cy="1990725"/>
           </a:xfrm>
           <a:prstGeom prst="rect">
             <a:avLst/>
           </a:prstGeom>
         </p:spPr>
       </p:pic>
-      <p:sp>
-        <p:nvSpPr>
-          <p:cNvPr id="2" name="Номер слайда 1"/>
-          <p:cNvSpPr>
-            <a:spLocks noGrp="1"/>
-          </p:cNvSpPr>
-          <p:nvPr>
-            <p:ph type="sldNum" idx="12"/>
-          </p:nvPr>
-        </p:nvSpPr>
-        <p:spPr/>
-        <p:txBody>
-          <a:bodyPr/>
-          <a:lstStyle/>
-          <a:p>
-            <a:pPr marL="0" lvl="0" indent="0">
-              <a:spcBef>
-                <a:spcPts val="0"/>
-              </a:spcBef>
-              <a:spcAft>
-                <a:spcPts val="0"/>
-              </a:spcAft>
-              <a:buNone/>
-            </a:pPr>
-            <a:fld id="{00000000-1234-1234-1234-123412341234}" type="slidenum">
-              <a:rPr lang="ru" smtClean="0"/>
-              <a:t>13</a:t>
-            </a:fld>
-            <a:endParaRPr lang="ru"/>
-          </a:p>
-        </p:txBody>
-      </p:sp>
     </p:spTree>
     <p:extLst>
       <p:ext uri="{BB962C8B-B14F-4D97-AF65-F5344CB8AC3E}">
-        <p14:creationId xmlns:p14="http://schemas.microsoft.com/office/powerpoint/2010/main" val="2066962112"/>
+        <p14:creationId xmlns:p14="http://schemas.microsoft.com/office/powerpoint/2010/main" val="1162869115"/>
       </p:ext>
     </p:extLst>
   </p:cSld>
@@ -13846,20 +13407,6 @@
 <file path=ppt/slides/slide14.xml><?xml version="1.0" encoding="utf-8"?>
 <p:sld xmlns:a="http://schemas.openxmlformats.org/drawingml/2006/main" xmlns:r="http://schemas.openxmlformats.org/officeDocument/2006/relationships" xmlns:p="http://schemas.openxmlformats.org/presentationml/2006/main">
   <p:cSld>
-    <p:bg>
-      <p:bgPr>
-        <a:blipFill dpi="0" rotWithShape="1">
-          <a:blip r:embed="rId3">
-            <a:lum/>
-          </a:blip>
-          <a:srcRect/>
-          <a:stretch>
-            <a:fillRect t="-17000" b="-17000"/>
-          </a:stretch>
-        </a:blipFill>
-        <a:effectLst/>
-      </p:bgPr>
-    </p:bg>
     <p:spTree>
       <p:nvGrpSpPr>
         <p:cNvPr id="1" name=""/>
@@ -13874,24 +13421,56 @@
           <a:chExt cx="0" cy="0"/>
         </a:xfrm>
       </p:grpSpPr>
+      <p:sp>
+        <p:nvSpPr>
+          <p:cNvPr id="4" name="Номер слайда 3"/>
+          <p:cNvSpPr>
+            <a:spLocks noGrp="1"/>
+          </p:cNvSpPr>
+          <p:nvPr>
+            <p:ph type="sldNum" idx="12"/>
+          </p:nvPr>
+        </p:nvSpPr>
+        <p:spPr/>
+        <p:txBody>
+          <a:bodyPr/>
+          <a:lstStyle/>
+          <a:p>
+            <a:pPr marL="0" lvl="0" indent="0">
+              <a:spcBef>
+                <a:spcPts val="0"/>
+              </a:spcBef>
+              <a:spcAft>
+                <a:spcPts val="0"/>
+              </a:spcAft>
+              <a:buNone/>
+            </a:pPr>
+            <a:fld id="{00000000-1234-1234-1234-123412341234}" type="slidenum">
+              <a:rPr lang="ru" smtClean="0"/>
+              <a:t>14</a:t>
+            </a:fld>
+            <a:endParaRPr lang="ru"/>
+          </a:p>
+        </p:txBody>
+      </p:sp>
       <p:pic>
         <p:nvPicPr>
-          <p:cNvPr id="4" name="Рисунок 3"/>
+          <p:cNvPr id="5" name="Рисунок 4"/>
           <p:cNvPicPr>
             <a:picLocks noChangeAspect="1"/>
           </p:cNvPicPr>
           <p:nvPr/>
         </p:nvPicPr>
         <p:blipFill>
-          <a:blip r:embed="rId4"/>
+          <a:blip r:embed="rId3"/>
           <a:stretch>
             <a:fillRect/>
           </a:stretch>
         </p:blipFill>
         <p:spPr>
           <a:xfrm>
-            <a:off x="1408176" y="157734"/>
-            <a:ext cx="6456338" cy="4802886"/>
+            <a:off x="628650" y="652462"/>
+            <a:ext cx="7886700" cy="3838575"/>
           </a:xfrm>
           <a:prstGeom prst="rect">
             <a:avLst/>
@@ -13900,40 +13479,88 @@
       </p:pic>
       <p:sp>
         <p:nvSpPr>
-          <p:cNvPr id="2" name="Номер слайда 1"/>
-          <p:cNvSpPr>
-            <a:spLocks noGrp="1"/>
-          </p:cNvSpPr>
-          <p:nvPr>
-            <p:ph type="sldNum" idx="12"/>
-          </p:nvPr>
-        </p:nvSpPr>
-        <p:spPr/>
+          <p:cNvPr id="9" name="Прямоугольник 8"/>
+          <p:cNvSpPr/>
+          <p:nvPr/>
+        </p:nvSpPr>
+        <p:spPr>
+          <a:xfrm>
+            <a:off x="3399416" y="1280160"/>
+            <a:ext cx="796066" cy="247426"/>
+          </a:xfrm>
+          <a:prstGeom prst="rect">
+            <a:avLst/>
+          </a:prstGeom>
+        </p:spPr>
+        <p:style>
+          <a:lnRef idx="2">
+            <a:schemeClr val="dk1">
+              <a:shade val="50000"/>
+            </a:schemeClr>
+          </a:lnRef>
+          <a:fillRef idx="1">
+            <a:schemeClr val="dk1"/>
+          </a:fillRef>
+          <a:effectRef idx="0">
+            <a:schemeClr val="dk1"/>
+          </a:effectRef>
+          <a:fontRef idx="minor">
+            <a:schemeClr val="lt1"/>
+          </a:fontRef>
+        </p:style>
         <p:txBody>
-          <a:bodyPr/>
+          <a:bodyPr rtlCol="0" anchor="ctr"/>
           <a:lstStyle/>
           <a:p>
-            <a:pPr marL="0" lvl="0" indent="0">
-              <a:spcBef>
-                <a:spcPts val="0"/>
-              </a:spcBef>
-              <a:spcAft>
-                <a:spcPts val="0"/>
-              </a:spcAft>
-              <a:buNone/>
-            </a:pPr>
-            <a:fld id="{00000000-1234-1234-1234-123412341234}" type="slidenum">
-              <a:rPr lang="ru" smtClean="0"/>
-              <a:t>14</a:t>
-            </a:fld>
-            <a:endParaRPr lang="ru"/>
+            <a:pPr algn="ctr"/>
+            <a:endParaRPr lang="ru-RU"/>
+          </a:p>
+        </p:txBody>
+      </p:sp>
+      <p:sp>
+        <p:nvSpPr>
+          <p:cNvPr id="10" name="Прямоугольник 9"/>
+          <p:cNvSpPr/>
+          <p:nvPr/>
+        </p:nvSpPr>
+        <p:spPr>
+          <a:xfrm>
+            <a:off x="4604273" y="3872753"/>
+            <a:ext cx="989703" cy="225911"/>
+          </a:xfrm>
+          <a:prstGeom prst="rect">
+            <a:avLst/>
+          </a:prstGeom>
+        </p:spPr>
+        <p:style>
+          <a:lnRef idx="2">
+            <a:schemeClr val="dk1">
+              <a:shade val="50000"/>
+            </a:schemeClr>
+          </a:lnRef>
+          <a:fillRef idx="1">
+            <a:schemeClr val="dk1"/>
+          </a:fillRef>
+          <a:effectRef idx="0">
+            <a:schemeClr val="dk1"/>
+          </a:effectRef>
+          <a:fontRef idx="minor">
+            <a:schemeClr val="lt1"/>
+          </a:fontRef>
+        </p:style>
+        <p:txBody>
+          <a:bodyPr rtlCol="0" anchor="ctr"/>
+          <a:lstStyle/>
+          <a:p>
+            <a:pPr algn="ctr"/>
+            <a:endParaRPr lang="ru-RU"/>
           </a:p>
         </p:txBody>
       </p:sp>
     </p:spTree>
     <p:extLst>
       <p:ext uri="{BB962C8B-B14F-4D97-AF65-F5344CB8AC3E}">
-        <p14:creationId xmlns:p14="http://schemas.microsoft.com/office/powerpoint/2010/main" val="1162869115"/>
+        <p14:creationId xmlns:p14="http://schemas.microsoft.com/office/powerpoint/2010/main" val="2844771572"/>
       </p:ext>
     </p:extLst>
   </p:cSld>
@@ -14961,36 +14588,27 @@
               <a:buNone/>
             </a:pPr>
             <a:r>
-              <a:rPr lang="ru-RU" dirty="0" smtClean="0">
+              <a:rPr lang="en-US" dirty="0">
                 <a:solidFill>
-                  <a:schemeClr val="accent2"/>
+                  <a:schemeClr val="tx1"/>
                 </a:solidFill>
                 <a:latin typeface="Helvetica Neue" panose="020B0604020202020204" charset="0"/>
               </a:rPr>
-              <a:t>Без тестов код в </a:t>
-            </a:r>
-            <a:r>
-              <a:rPr lang="ru-RU" dirty="0" err="1" smtClean="0">
+              <a:t>If it isn’t tested, it’s </a:t>
+            </a:r>
+            <a:r>
+              <a:rPr lang="en-US" dirty="0" smtClean="0">
                 <a:solidFill>
-                  <a:schemeClr val="accent2"/>
+                  <a:schemeClr val="tx1"/>
                 </a:solidFill>
                 <a:latin typeface="Helvetica Neue" panose="020B0604020202020204" charset="0"/>
               </a:rPr>
-              <a:t>продакшен</a:t>
+              <a:t>broken</a:t>
             </a:r>
             <a:r>
               <a:rPr lang="ru-RU" dirty="0" smtClean="0">
                 <a:solidFill>
-                  <a:schemeClr val="accent2"/>
-                </a:solidFill>
-                <a:latin typeface="Helvetica Neue" panose="020B0604020202020204" charset="0"/>
-              </a:rPr>
-              <a:t> не идет</a:t>
-            </a:r>
-            <a:r>
-              <a:rPr lang="en-US" dirty="0">
-                <a:solidFill>
-                  <a:schemeClr val="accent2"/>
+                  <a:schemeClr val="tx1"/>
                 </a:solidFill>
                 <a:latin typeface="Helvetica Neue" panose="020B0604020202020204" charset="0"/>
               </a:rPr>
@@ -14998,7 +14616,7 @@
             </a:r>
             <a:endParaRPr lang="ru-RU" dirty="0">
               <a:solidFill>
-                <a:schemeClr val="accent2"/>
+                <a:schemeClr val="tx1"/>
               </a:solidFill>
               <a:latin typeface="Helvetica Neue" panose="020B0604020202020204" charset="0"/>
             </a:endParaRPr>
@@ -16761,15 +16379,6 @@
               </a:rPr>
               <a:t>Графики</a:t>
             </a:r>
-            <a:endParaRPr lang="ru" sz="1800" dirty="0" smtClean="0">
-              <a:solidFill>
-                <a:schemeClr val="accent2"/>
-              </a:solidFill>
-              <a:latin typeface="Helvetica Neue"/>
-              <a:ea typeface="Helvetica Neue"/>
-              <a:cs typeface="Helvetica Neue"/>
-              <a:sym typeface="Helvetica Neue"/>
-            </a:endParaRPr>
           </a:p>
           <a:p>
             <a:pPr marL="457200" lvl="0" indent="-317500" rtl="0">
@@ -17335,8 +16944,8 @@
         </p:nvSpPr>
         <p:spPr>
           <a:xfrm>
-            <a:off x="311700" y="1152475"/>
-            <a:ext cx="8520600" cy="3416400"/>
+            <a:off x="311700" y="1258645"/>
+            <a:ext cx="5013335" cy="3310230"/>
           </a:xfrm>
           <a:prstGeom prst="rect">
             <a:avLst/>
@@ -17357,20 +16966,23 @@
               </a:buClr>
             </a:pPr>
             <a:r>
-              <a:rPr lang="ru" dirty="0">
+              <a:rPr lang="en-US" dirty="0" smtClean="0">
                 <a:solidFill>
                   <a:schemeClr val="accent2"/>
                 </a:solidFill>
                 <a:latin typeface="Helvetica Neue" panose="020B0604020202020204" charset="0"/>
               </a:rPr>
-              <a:t>Ведущий инженер-программист</a:t>
-            </a:r>
-            <a:endParaRPr dirty="0">
-              <a:solidFill>
-                <a:schemeClr val="accent2"/>
-              </a:solidFill>
-              <a:latin typeface="Helvetica Neue" panose="020B0604020202020204" charset="0"/>
-            </a:endParaRPr>
+              <a:t>Backend</a:t>
+            </a:r>
+            <a:r>
+              <a:rPr lang="ru-RU" dirty="0" smtClean="0">
+                <a:solidFill>
+                  <a:schemeClr val="accent2"/>
+                </a:solidFill>
+                <a:latin typeface="Helvetica Neue" panose="020B0604020202020204" charset="0"/>
+              </a:rPr>
+              <a:t>-разработчик</a:t>
+            </a:r>
           </a:p>
           <a:p>
             <a:pPr>
@@ -17382,15 +16994,33 @@
               </a:buClr>
             </a:pPr>
             <a:r>
+              <a:rPr lang="ru" dirty="0" smtClean="0">
+                <a:solidFill>
+                  <a:schemeClr val="accent2"/>
+                </a:solidFill>
+                <a:latin typeface="Helvetica Neue" panose="020B0604020202020204" charset="0"/>
+              </a:rPr>
+              <a:t>Проект </a:t>
+            </a:r>
+            <a:r>
               <a:rPr lang="ru" dirty="0">
                 <a:solidFill>
                   <a:schemeClr val="accent2"/>
                 </a:solidFill>
                 <a:latin typeface="Helvetica Neue" panose="020B0604020202020204" charset="0"/>
               </a:rPr>
-              <a:t>5+ лет опыта в энтерпрайзе</a:t>
-            </a:r>
-            <a:endParaRPr dirty="0">
+              <a:t>в сфере бизнес </a:t>
+            </a:r>
+            <a:r>
+              <a:rPr lang="ru" dirty="0" smtClean="0">
+                <a:solidFill>
+                  <a:schemeClr val="accent2"/>
+                </a:solidFill>
+                <a:latin typeface="Helvetica Neue" panose="020B0604020202020204" charset="0"/>
+              </a:rPr>
+              <a:t>аналитики, с кучей интеграций и источников данных</a:t>
+            </a:r>
+            <a:endParaRPr lang="ru-RU" dirty="0" smtClean="0">
               <a:solidFill>
                 <a:schemeClr val="accent2"/>
               </a:solidFill>
@@ -17407,6 +17037,40 @@
               </a:buClr>
             </a:pPr>
             <a:r>
+              <a:rPr lang="ru" dirty="0" smtClean="0">
+                <a:solidFill>
+                  <a:schemeClr val="accent2"/>
+                </a:solidFill>
+                <a:latin typeface="Helvetica Neue" panose="020B0604020202020204" charset="0"/>
+              </a:rPr>
+              <a:t>5</a:t>
+            </a:r>
+            <a:r>
+              <a:rPr lang="ru" dirty="0">
+                <a:solidFill>
+                  <a:schemeClr val="accent2"/>
+                </a:solidFill>
+                <a:latin typeface="Helvetica Neue" panose="020B0604020202020204" charset="0"/>
+              </a:rPr>
+              <a:t>+ лет опыта в энтерпрайзе</a:t>
+            </a:r>
+            <a:endParaRPr dirty="0">
+              <a:solidFill>
+                <a:schemeClr val="accent2"/>
+              </a:solidFill>
+              <a:latin typeface="Helvetica Neue" panose="020B0604020202020204" charset="0"/>
+            </a:endParaRPr>
+          </a:p>
+          <a:p>
+            <a:pPr>
+              <a:lnSpc>
+                <a:spcPct val="150000"/>
+              </a:lnSpc>
+              <a:buClr>
+                <a:srgbClr val="F3F3F3"/>
+              </a:buClr>
+            </a:pPr>
+            <a:r>
               <a:rPr lang="ru" dirty="0">
                 <a:solidFill>
                   <a:schemeClr val="accent2"/>
@@ -17424,6 +17088,32 @@
               </a:rPr>
               <a:t>преподаю</a:t>
             </a:r>
+          </a:p>
+          <a:p>
+            <a:pPr>
+              <a:lnSpc>
+                <a:spcPct val="150000"/>
+              </a:lnSpc>
+              <a:buClr>
+                <a:srgbClr val="F3F3F3"/>
+              </a:buClr>
+            </a:pPr>
+            <a:endParaRPr lang="ru" dirty="0" smtClean="0">
+              <a:solidFill>
+                <a:schemeClr val="accent2"/>
+              </a:solidFill>
+              <a:latin typeface="Helvetica Neue" panose="020B0604020202020204" charset="0"/>
+            </a:endParaRPr>
+          </a:p>
+          <a:p>
+            <a:pPr>
+              <a:lnSpc>
+                <a:spcPct val="150000"/>
+              </a:lnSpc>
+              <a:buClr>
+                <a:srgbClr val="F3F3F3"/>
+              </a:buClr>
+            </a:pPr>
             <a:endParaRPr dirty="0">
               <a:solidFill>
                 <a:schemeClr val="accent2"/>
@@ -17566,7 +17256,7 @@
         </p:nvSpPr>
         <p:spPr>
           <a:xfrm>
-            <a:off x="311700" y="1280159"/>
+            <a:off x="311700" y="1253526"/>
             <a:ext cx="8520600" cy="3288715"/>
           </a:xfrm>
         </p:spPr>
@@ -17577,6 +17267,17 @@
             <a:pPr marL="114300" indent="0">
               <a:buNone/>
             </a:pPr>
+            <a:endParaRPr lang="ru-RU" sz="1600" dirty="0" smtClean="0">
+              <a:solidFill>
+                <a:schemeClr val="accent2"/>
+              </a:solidFill>
+              <a:latin typeface="Helvetica Neue" panose="020B0604020202020204" charset="0"/>
+            </a:endParaRPr>
+          </a:p>
+          <a:p>
+            <a:pPr marL="114300" indent="0">
+              <a:buNone/>
+            </a:pPr>
             <a:r>
               <a:rPr lang="en-US" sz="1600" dirty="0" smtClean="0">
                 <a:solidFill>
@@ -17584,13 +17285,17 @@
                 </a:solidFill>
                 <a:latin typeface="Helvetica Neue" panose="020B0604020202020204" charset="0"/>
               </a:rPr>
-              <a:t>Notifications.*.Events.Incoming.agent;2018-08-10T14:46:00;27526</a:t>
-            </a:r>
-          </a:p>
-          <a:p>
-            <a:pPr marL="114300" indent="0">
-              <a:buNone/>
-            </a:pPr>
+              <a:t>Notifications.vm-events1.Events.Incoming.agent;</a:t>
+            </a:r>
+            <a:r>
+              <a:rPr lang="ru-RU" sz="1600" dirty="0" smtClean="0">
+                <a:solidFill>
+                  <a:schemeClr val="accent2"/>
+                </a:solidFill>
+                <a:latin typeface="Helvetica Neue" panose="020B0604020202020204" charset="0"/>
+              </a:rPr>
+              <a:t> </a:t>
+            </a:r>
             <a:r>
               <a:rPr lang="en-US" sz="1600" dirty="0" smtClean="0">
                 <a:solidFill>
@@ -17598,13 +17303,17 @@
                 </a:solidFill>
                 <a:latin typeface="Helvetica Neue" panose="020B0604020202020204" charset="0"/>
               </a:rPr>
-              <a:t>Notifications.*.Events.Incoming.change-organization;2018-08-10T14:46:00;35</a:t>
-            </a:r>
-          </a:p>
-          <a:p>
-            <a:pPr marL="114300" indent="0">
-              <a:buNone/>
-            </a:pPr>
+              <a:t>2018-08-10T14:46:00;</a:t>
+            </a:r>
+            <a:r>
+              <a:rPr lang="ru-RU" sz="1600" dirty="0" smtClean="0">
+                <a:solidFill>
+                  <a:schemeClr val="accent2"/>
+                </a:solidFill>
+                <a:latin typeface="Helvetica Neue" panose="020B0604020202020204" charset="0"/>
+              </a:rPr>
+              <a:t> </a:t>
+            </a:r>
             <a:r>
               <a:rPr lang="en-US" sz="1600" dirty="0" smtClean="0">
                 <a:solidFill>
@@ -17612,49 +17321,7 @@
                 </a:solidFill>
                 <a:latin typeface="Helvetica Neue" panose="020B0604020202020204" charset="0"/>
               </a:rPr>
-              <a:t>Notifications.*.Events.Incoming.change-organization-result;2018-08-10T14:46:00;18</a:t>
-            </a:r>
-          </a:p>
-          <a:p>
-            <a:pPr marL="114300" indent="0">
-              <a:buNone/>
-            </a:pPr>
-            <a:r>
-              <a:rPr lang="en-US" sz="1600" dirty="0" smtClean="0">
-                <a:solidFill>
-                  <a:schemeClr val="accent2"/>
-                </a:solidFill>
-                <a:latin typeface="Helvetica Neue" panose="020B0604020202020204" charset="0"/>
-              </a:rPr>
-              <a:t>Notifications.*.Events.Incoming.diadoc-prod-counteragents;2018-08-10T14:46:00;9</a:t>
-            </a:r>
-          </a:p>
-          <a:p>
-            <a:pPr marL="114300" indent="0">
-              <a:buNone/>
-            </a:pPr>
-            <a:r>
-              <a:rPr lang="en-US" sz="1600" dirty="0" smtClean="0">
-                <a:solidFill>
-                  <a:schemeClr val="accent2"/>
-                </a:solidFill>
-                <a:latin typeface="Helvetica Neue" panose="020B0604020202020204" charset="0"/>
-              </a:rPr>
-              <a:t>Notifications.*.Events.Incoming.diadoc-prod-documents;2018-08-10T14:46:00;1659</a:t>
-            </a:r>
-          </a:p>
-          <a:p>
-            <a:pPr marL="114300" indent="0">
-              <a:buNone/>
-            </a:pPr>
-            <a:r>
-              <a:rPr lang="en-US" sz="1600" dirty="0" smtClean="0">
-                <a:solidFill>
-                  <a:schemeClr val="accent2"/>
-                </a:solidFill>
-                <a:latin typeface="Helvetica Neue" panose="020B0604020202020204" charset="0"/>
-              </a:rPr>
-              <a:t>Notifications.*.Events.Incoming.diadoc-prod-organizations;2018-08-10T14:46:00;0</a:t>
+              <a:t>27526</a:t>
             </a:r>
             <a:endParaRPr lang="ru-RU" sz="1600" dirty="0">
               <a:solidFill>
@@ -17662,220 +17329,6 @@
               </a:solidFill>
               <a:latin typeface="Helvetica Neue" panose="020B0604020202020204" charset="0"/>
             </a:endParaRPr>
-          </a:p>
-        </p:txBody>
-      </p:sp>
-      <p:sp>
-        <p:nvSpPr>
-          <p:cNvPr id="9" name="Прямоугольник 8"/>
-          <p:cNvSpPr/>
-          <p:nvPr/>
-        </p:nvSpPr>
-        <p:spPr>
-          <a:xfrm>
-            <a:off x="441064" y="1280159"/>
-            <a:ext cx="1430767" cy="1904105"/>
-          </a:xfrm>
-          <a:prstGeom prst="rect">
-            <a:avLst/>
-          </a:prstGeom>
-          <a:noFill/>
-          <a:ln w="28575">
-            <a:solidFill>
-              <a:schemeClr val="accent1"/>
-            </a:solidFill>
-          </a:ln>
-        </p:spPr>
-        <p:style>
-          <a:lnRef idx="2">
-            <a:schemeClr val="accent1">
-              <a:shade val="50000"/>
-            </a:schemeClr>
-          </a:lnRef>
-          <a:fillRef idx="1">
-            <a:schemeClr val="accent1"/>
-          </a:fillRef>
-          <a:effectRef idx="0">
-            <a:schemeClr val="accent1"/>
-          </a:effectRef>
-          <a:fontRef idx="minor">
-            <a:schemeClr val="lt1"/>
-          </a:fontRef>
-        </p:style>
-        <p:txBody>
-          <a:bodyPr rtlCol="0" anchor="ctr"/>
-          <a:lstStyle/>
-          <a:p>
-            <a:pPr algn="ctr"/>
-            <a:endParaRPr lang="ru-RU"/>
-          </a:p>
-        </p:txBody>
-      </p:sp>
-      <p:sp>
-        <p:nvSpPr>
-          <p:cNvPr id="10" name="Прямоугольник 9"/>
-          <p:cNvSpPr/>
-          <p:nvPr/>
-        </p:nvSpPr>
-        <p:spPr>
-          <a:xfrm>
-            <a:off x="1871831" y="1280159"/>
-            <a:ext cx="1506070" cy="1904105"/>
-          </a:xfrm>
-          <a:prstGeom prst="rect">
-            <a:avLst/>
-          </a:prstGeom>
-          <a:noFill/>
-          <a:ln w="28575"/>
-        </p:spPr>
-        <p:style>
-          <a:lnRef idx="2">
-            <a:schemeClr val="accent1">
-              <a:shade val="50000"/>
-            </a:schemeClr>
-          </a:lnRef>
-          <a:fillRef idx="1">
-            <a:schemeClr val="accent1"/>
-          </a:fillRef>
-          <a:effectRef idx="0">
-            <a:schemeClr val="accent1"/>
-          </a:effectRef>
-          <a:fontRef idx="minor">
-            <a:schemeClr val="lt1"/>
-          </a:fontRef>
-        </p:style>
-        <p:txBody>
-          <a:bodyPr rtlCol="0" anchor="ctr"/>
-          <a:lstStyle/>
-          <a:p>
-            <a:pPr algn="ctr"/>
-            <a:endParaRPr lang="ru-RU"/>
-          </a:p>
-        </p:txBody>
-      </p:sp>
-      <p:sp>
-        <p:nvSpPr>
-          <p:cNvPr id="11" name="Прямоугольник 10"/>
-          <p:cNvSpPr/>
-          <p:nvPr/>
-        </p:nvSpPr>
-        <p:spPr>
-          <a:xfrm>
-            <a:off x="3377901" y="1376979"/>
-            <a:ext cx="591671" cy="322729"/>
-          </a:xfrm>
-          <a:prstGeom prst="rect">
-            <a:avLst/>
-          </a:prstGeom>
-          <a:noFill/>
-          <a:ln w="28575"/>
-        </p:spPr>
-        <p:style>
-          <a:lnRef idx="2">
-            <a:schemeClr val="accent1">
-              <a:shade val="50000"/>
-            </a:schemeClr>
-          </a:lnRef>
-          <a:fillRef idx="1">
-            <a:schemeClr val="accent1"/>
-          </a:fillRef>
-          <a:effectRef idx="0">
-            <a:schemeClr val="accent1"/>
-          </a:effectRef>
-          <a:fontRef idx="minor">
-            <a:schemeClr val="lt1"/>
-          </a:fontRef>
-        </p:style>
-        <p:txBody>
-          <a:bodyPr rtlCol="0" anchor="ctr"/>
-          <a:lstStyle/>
-          <a:p>
-            <a:pPr algn="ctr"/>
-            <a:endParaRPr lang="ru-RU"/>
-          </a:p>
-        </p:txBody>
-      </p:sp>
-      <p:sp>
-        <p:nvSpPr>
-          <p:cNvPr id="12" name="Прямоугольник 11"/>
-          <p:cNvSpPr/>
-          <p:nvPr/>
-        </p:nvSpPr>
-        <p:spPr>
-          <a:xfrm>
-            <a:off x="3969572" y="1376979"/>
-            <a:ext cx="2033195" cy="322729"/>
-          </a:xfrm>
-          <a:prstGeom prst="rect">
-            <a:avLst/>
-          </a:prstGeom>
-          <a:noFill/>
-          <a:ln w="28575"/>
-        </p:spPr>
-        <p:style>
-          <a:lnRef idx="2">
-            <a:schemeClr val="accent1">
-              <a:shade val="50000"/>
-            </a:schemeClr>
-          </a:lnRef>
-          <a:fillRef idx="1">
-            <a:schemeClr val="accent1"/>
-          </a:fillRef>
-          <a:effectRef idx="0">
-            <a:schemeClr val="accent1"/>
-          </a:effectRef>
-          <a:fontRef idx="minor">
-            <a:schemeClr val="lt1"/>
-          </a:fontRef>
-        </p:style>
-        <p:txBody>
-          <a:bodyPr rtlCol="0" anchor="ctr"/>
-          <a:lstStyle/>
-          <a:p>
-            <a:pPr algn="ctr"/>
-            <a:endParaRPr lang="ru-RU"/>
-          </a:p>
-        </p:txBody>
-      </p:sp>
-      <p:sp>
-        <p:nvSpPr>
-          <p:cNvPr id="13" name="Прямоугольник 12"/>
-          <p:cNvSpPr/>
-          <p:nvPr/>
-        </p:nvSpPr>
-        <p:spPr>
-          <a:xfrm>
-            <a:off x="6002767" y="1376979"/>
-            <a:ext cx="753035" cy="322729"/>
-          </a:xfrm>
-          <a:prstGeom prst="rect">
-            <a:avLst/>
-          </a:prstGeom>
-          <a:noFill/>
-          <a:ln w="28575"/>
-        </p:spPr>
-        <p:style>
-          <a:lnRef idx="2">
-            <a:schemeClr val="accent1">
-              <a:shade val="50000"/>
-            </a:schemeClr>
-          </a:lnRef>
-          <a:fillRef idx="1">
-            <a:schemeClr val="accent1"/>
-          </a:fillRef>
-          <a:effectRef idx="0">
-            <a:schemeClr val="accent1"/>
-          </a:effectRef>
-          <a:fontRef idx="minor">
-            <a:schemeClr val="lt1"/>
-          </a:fontRef>
-        </p:style>
-        <p:txBody>
-          <a:bodyPr rtlCol="0" anchor="ctr"/>
-          <a:lstStyle/>
-          <a:p>
-            <a:pPr algn="ctr"/>
-            <a:endParaRPr lang="ru-RU"/>
           </a:p>
         </p:txBody>
       </p:sp>
@@ -17974,448 +17427,9 @@
   <p:timing>
     <p:tnLst>
       <p:par>
-        <p:cTn id="1" dur="indefinite" restart="never" nodeType="tmRoot">
-          <p:childTnLst>
-            <p:seq concurrent="1" nextAc="seek">
-              <p:cTn id="2" dur="indefinite" nodeType="mainSeq">
-                <p:childTnLst>
-                  <p:par>
-                    <p:cTn id="3" fill="hold">
-                      <p:stCondLst>
-                        <p:cond delay="indefinite"/>
-                      </p:stCondLst>
-                      <p:childTnLst>
-                        <p:par>
-                          <p:cTn id="4" fill="hold">
-                            <p:stCondLst>
-                              <p:cond delay="0"/>
-                            </p:stCondLst>
-                            <p:childTnLst>
-                              <p:par>
-                                <p:cTn id="5" presetID="1" presetClass="entr" presetSubtype="0" fill="hold" grpId="0" nodeType="clickEffect">
-                                  <p:stCondLst>
-                                    <p:cond delay="0"/>
-                                  </p:stCondLst>
-                                  <p:childTnLst>
-                                    <p:set>
-                                      <p:cBhvr>
-                                        <p:cTn id="6" dur="1" fill="hold">
-                                          <p:stCondLst>
-                                            <p:cond delay="0"/>
-                                          </p:stCondLst>
-                                        </p:cTn>
-                                        <p:tgtEl>
-                                          <p:spTgt spid="9"/>
-                                        </p:tgtEl>
-                                        <p:attrNameLst>
-                                          <p:attrName>style.visibility</p:attrName>
-                                        </p:attrNameLst>
-                                      </p:cBhvr>
-                                      <p:to>
-                                        <p:strVal val="visible"/>
-                                      </p:to>
-                                    </p:set>
-                                  </p:childTnLst>
-                                </p:cTn>
-                              </p:par>
-                            </p:childTnLst>
-                          </p:cTn>
-                        </p:par>
-                      </p:childTnLst>
-                    </p:cTn>
-                  </p:par>
-                  <p:par>
-                    <p:cTn id="7" fill="hold">
-                      <p:stCondLst>
-                        <p:cond delay="indefinite"/>
-                      </p:stCondLst>
-                      <p:childTnLst>
-                        <p:par>
-                          <p:cTn id="8" fill="hold">
-                            <p:stCondLst>
-                              <p:cond delay="0"/>
-                            </p:stCondLst>
-                            <p:childTnLst>
-                              <p:par>
-                                <p:cTn id="9" presetID="1" presetClass="exit" presetSubtype="0" fill="hold" grpId="1" nodeType="clickEffect">
-                                  <p:stCondLst>
-                                    <p:cond delay="0"/>
-                                  </p:stCondLst>
-                                  <p:childTnLst>
-                                    <p:set>
-                                      <p:cBhvr>
-                                        <p:cTn id="10" dur="1" fill="hold">
-                                          <p:stCondLst>
-                                            <p:cond delay="0"/>
-                                          </p:stCondLst>
-                                        </p:cTn>
-                                        <p:tgtEl>
-                                          <p:spTgt spid="9"/>
-                                        </p:tgtEl>
-                                        <p:attrNameLst>
-                                          <p:attrName>style.visibility</p:attrName>
-                                        </p:attrNameLst>
-                                      </p:cBhvr>
-                                      <p:to>
-                                        <p:strVal val="hidden"/>
-                                      </p:to>
-                                    </p:set>
-                                  </p:childTnLst>
-                                </p:cTn>
-                              </p:par>
-                            </p:childTnLst>
-                          </p:cTn>
-                        </p:par>
-                      </p:childTnLst>
-                    </p:cTn>
-                  </p:par>
-                  <p:par>
-                    <p:cTn id="11" fill="hold">
-                      <p:stCondLst>
-                        <p:cond delay="indefinite"/>
-                      </p:stCondLst>
-                      <p:childTnLst>
-                        <p:par>
-                          <p:cTn id="12" fill="hold">
-                            <p:stCondLst>
-                              <p:cond delay="0"/>
-                            </p:stCondLst>
-                            <p:childTnLst>
-                              <p:par>
-                                <p:cTn id="13" presetID="1" presetClass="entr" presetSubtype="0" fill="hold" grpId="0" nodeType="clickEffect">
-                                  <p:stCondLst>
-                                    <p:cond delay="0"/>
-                                  </p:stCondLst>
-                                  <p:childTnLst>
-                                    <p:set>
-                                      <p:cBhvr>
-                                        <p:cTn id="14" dur="1" fill="hold">
-                                          <p:stCondLst>
-                                            <p:cond delay="0"/>
-                                          </p:stCondLst>
-                                        </p:cTn>
-                                        <p:tgtEl>
-                                          <p:spTgt spid="10"/>
-                                        </p:tgtEl>
-                                        <p:attrNameLst>
-                                          <p:attrName>style.visibility</p:attrName>
-                                        </p:attrNameLst>
-                                      </p:cBhvr>
-                                      <p:to>
-                                        <p:strVal val="visible"/>
-                                      </p:to>
-                                    </p:set>
-                                  </p:childTnLst>
-                                </p:cTn>
-                              </p:par>
-                            </p:childTnLst>
-                          </p:cTn>
-                        </p:par>
-                      </p:childTnLst>
-                    </p:cTn>
-                  </p:par>
-                  <p:par>
-                    <p:cTn id="15" fill="hold">
-                      <p:stCondLst>
-                        <p:cond delay="indefinite"/>
-                      </p:stCondLst>
-                      <p:childTnLst>
-                        <p:par>
-                          <p:cTn id="16" fill="hold">
-                            <p:stCondLst>
-                              <p:cond delay="0"/>
-                            </p:stCondLst>
-                            <p:childTnLst>
-                              <p:par>
-                                <p:cTn id="17" presetID="1" presetClass="exit" presetSubtype="0" fill="hold" grpId="1" nodeType="clickEffect">
-                                  <p:stCondLst>
-                                    <p:cond delay="0"/>
-                                  </p:stCondLst>
-                                  <p:childTnLst>
-                                    <p:set>
-                                      <p:cBhvr>
-                                        <p:cTn id="18" dur="1" fill="hold">
-                                          <p:stCondLst>
-                                            <p:cond delay="0"/>
-                                          </p:stCondLst>
-                                        </p:cTn>
-                                        <p:tgtEl>
-                                          <p:spTgt spid="10"/>
-                                        </p:tgtEl>
-                                        <p:attrNameLst>
-                                          <p:attrName>style.visibility</p:attrName>
-                                        </p:attrNameLst>
-                                      </p:cBhvr>
-                                      <p:to>
-                                        <p:strVal val="hidden"/>
-                                      </p:to>
-                                    </p:set>
-                                  </p:childTnLst>
-                                </p:cTn>
-                              </p:par>
-                            </p:childTnLst>
-                          </p:cTn>
-                        </p:par>
-                      </p:childTnLst>
-                    </p:cTn>
-                  </p:par>
-                  <p:par>
-                    <p:cTn id="19" fill="hold">
-                      <p:stCondLst>
-                        <p:cond delay="indefinite"/>
-                      </p:stCondLst>
-                      <p:childTnLst>
-                        <p:par>
-                          <p:cTn id="20" fill="hold">
-                            <p:stCondLst>
-                              <p:cond delay="0"/>
-                            </p:stCondLst>
-                            <p:childTnLst>
-                              <p:par>
-                                <p:cTn id="21" presetID="1" presetClass="entr" presetSubtype="0" fill="hold" grpId="0" nodeType="clickEffect">
-                                  <p:stCondLst>
-                                    <p:cond delay="0"/>
-                                  </p:stCondLst>
-                                  <p:childTnLst>
-                                    <p:set>
-                                      <p:cBhvr>
-                                        <p:cTn id="22" dur="1" fill="hold">
-                                          <p:stCondLst>
-                                            <p:cond delay="0"/>
-                                          </p:stCondLst>
-                                        </p:cTn>
-                                        <p:tgtEl>
-                                          <p:spTgt spid="11"/>
-                                        </p:tgtEl>
-                                        <p:attrNameLst>
-                                          <p:attrName>style.visibility</p:attrName>
-                                        </p:attrNameLst>
-                                      </p:cBhvr>
-                                      <p:to>
-                                        <p:strVal val="visible"/>
-                                      </p:to>
-                                    </p:set>
-                                  </p:childTnLst>
-                                </p:cTn>
-                              </p:par>
-                            </p:childTnLst>
-                          </p:cTn>
-                        </p:par>
-                      </p:childTnLst>
-                    </p:cTn>
-                  </p:par>
-                  <p:par>
-                    <p:cTn id="23" fill="hold">
-                      <p:stCondLst>
-                        <p:cond delay="indefinite"/>
-                      </p:stCondLst>
-                      <p:childTnLst>
-                        <p:par>
-                          <p:cTn id="24" fill="hold">
-                            <p:stCondLst>
-                              <p:cond delay="0"/>
-                            </p:stCondLst>
-                            <p:childTnLst>
-                              <p:par>
-                                <p:cTn id="25" presetID="1" presetClass="exit" presetSubtype="0" fill="hold" grpId="1" nodeType="clickEffect">
-                                  <p:stCondLst>
-                                    <p:cond delay="0"/>
-                                  </p:stCondLst>
-                                  <p:childTnLst>
-                                    <p:set>
-                                      <p:cBhvr>
-                                        <p:cTn id="26" dur="1" fill="hold">
-                                          <p:stCondLst>
-                                            <p:cond delay="0"/>
-                                          </p:stCondLst>
-                                        </p:cTn>
-                                        <p:tgtEl>
-                                          <p:spTgt spid="11"/>
-                                        </p:tgtEl>
-                                        <p:attrNameLst>
-                                          <p:attrName>style.visibility</p:attrName>
-                                        </p:attrNameLst>
-                                      </p:cBhvr>
-                                      <p:to>
-                                        <p:strVal val="hidden"/>
-                                      </p:to>
-                                    </p:set>
-                                  </p:childTnLst>
-                                </p:cTn>
-                              </p:par>
-                            </p:childTnLst>
-                          </p:cTn>
-                        </p:par>
-                      </p:childTnLst>
-                    </p:cTn>
-                  </p:par>
-                  <p:par>
-                    <p:cTn id="27" fill="hold">
-                      <p:stCondLst>
-                        <p:cond delay="indefinite"/>
-                      </p:stCondLst>
-                      <p:childTnLst>
-                        <p:par>
-                          <p:cTn id="28" fill="hold">
-                            <p:stCondLst>
-                              <p:cond delay="0"/>
-                            </p:stCondLst>
-                            <p:childTnLst>
-                              <p:par>
-                                <p:cTn id="29" presetID="1" presetClass="entr" presetSubtype="0" fill="hold" grpId="0" nodeType="clickEffect">
-                                  <p:stCondLst>
-                                    <p:cond delay="0"/>
-                                  </p:stCondLst>
-                                  <p:childTnLst>
-                                    <p:set>
-                                      <p:cBhvr>
-                                        <p:cTn id="30" dur="1" fill="hold">
-                                          <p:stCondLst>
-                                            <p:cond delay="0"/>
-                                          </p:stCondLst>
-                                        </p:cTn>
-                                        <p:tgtEl>
-                                          <p:spTgt spid="12"/>
-                                        </p:tgtEl>
-                                        <p:attrNameLst>
-                                          <p:attrName>style.visibility</p:attrName>
-                                        </p:attrNameLst>
-                                      </p:cBhvr>
-                                      <p:to>
-                                        <p:strVal val="visible"/>
-                                      </p:to>
-                                    </p:set>
-                                  </p:childTnLst>
-                                </p:cTn>
-                              </p:par>
-                            </p:childTnLst>
-                          </p:cTn>
-                        </p:par>
-                      </p:childTnLst>
-                    </p:cTn>
-                  </p:par>
-                  <p:par>
-                    <p:cTn id="31" fill="hold">
-                      <p:stCondLst>
-                        <p:cond delay="indefinite"/>
-                      </p:stCondLst>
-                      <p:childTnLst>
-                        <p:par>
-                          <p:cTn id="32" fill="hold">
-                            <p:stCondLst>
-                              <p:cond delay="0"/>
-                            </p:stCondLst>
-                            <p:childTnLst>
-                              <p:par>
-                                <p:cTn id="33" presetID="1" presetClass="exit" presetSubtype="0" fill="hold" grpId="1" nodeType="clickEffect">
-                                  <p:stCondLst>
-                                    <p:cond delay="0"/>
-                                  </p:stCondLst>
-                                  <p:childTnLst>
-                                    <p:set>
-                                      <p:cBhvr>
-                                        <p:cTn id="34" dur="1" fill="hold">
-                                          <p:stCondLst>
-                                            <p:cond delay="0"/>
-                                          </p:stCondLst>
-                                        </p:cTn>
-                                        <p:tgtEl>
-                                          <p:spTgt spid="12"/>
-                                        </p:tgtEl>
-                                        <p:attrNameLst>
-                                          <p:attrName>style.visibility</p:attrName>
-                                        </p:attrNameLst>
-                                      </p:cBhvr>
-                                      <p:to>
-                                        <p:strVal val="hidden"/>
-                                      </p:to>
-                                    </p:set>
-                                  </p:childTnLst>
-                                </p:cTn>
-                              </p:par>
-                            </p:childTnLst>
-                          </p:cTn>
-                        </p:par>
-                      </p:childTnLst>
-                    </p:cTn>
-                  </p:par>
-                  <p:par>
-                    <p:cTn id="35" fill="hold">
-                      <p:stCondLst>
-                        <p:cond delay="indefinite"/>
-                      </p:stCondLst>
-                      <p:childTnLst>
-                        <p:par>
-                          <p:cTn id="36" fill="hold">
-                            <p:stCondLst>
-                              <p:cond delay="0"/>
-                            </p:stCondLst>
-                            <p:childTnLst>
-                              <p:par>
-                                <p:cTn id="37" presetID="1" presetClass="entr" presetSubtype="0" fill="hold" grpId="0" nodeType="clickEffect">
-                                  <p:stCondLst>
-                                    <p:cond delay="0"/>
-                                  </p:stCondLst>
-                                  <p:childTnLst>
-                                    <p:set>
-                                      <p:cBhvr>
-                                        <p:cTn id="38" dur="1" fill="hold">
-                                          <p:stCondLst>
-                                            <p:cond delay="0"/>
-                                          </p:stCondLst>
-                                        </p:cTn>
-                                        <p:tgtEl>
-                                          <p:spTgt spid="13"/>
-                                        </p:tgtEl>
-                                        <p:attrNameLst>
-                                          <p:attrName>style.visibility</p:attrName>
-                                        </p:attrNameLst>
-                                      </p:cBhvr>
-                                      <p:to>
-                                        <p:strVal val="visible"/>
-                                      </p:to>
-                                    </p:set>
-                                  </p:childTnLst>
-                                </p:cTn>
-                              </p:par>
-                            </p:childTnLst>
-                          </p:cTn>
-                        </p:par>
-                      </p:childTnLst>
-                    </p:cTn>
-                  </p:par>
-                </p:childTnLst>
-              </p:cTn>
-              <p:prevCondLst>
-                <p:cond evt="onPrev" delay="0">
-                  <p:tgtEl>
-                    <p:sldTgt/>
-                  </p:tgtEl>
-                </p:cond>
-              </p:prevCondLst>
-              <p:nextCondLst>
-                <p:cond evt="onNext" delay="0">
-                  <p:tgtEl>
-                    <p:sldTgt/>
-                  </p:tgtEl>
-                </p:cond>
-              </p:nextCondLst>
-            </p:seq>
-          </p:childTnLst>
-        </p:cTn>
+        <p:cTn id="1" dur="indefinite" restart="never" nodeType="tmRoot"/>
       </p:par>
     </p:tnLst>
-    <p:bldLst>
-      <p:bldP spid="9" grpId="0" animBg="1"/>
-      <p:bldP spid="9" grpId="1" animBg="1"/>
-      <p:bldP spid="10" grpId="0" animBg="1"/>
-      <p:bldP spid="10" grpId="1" animBg="1"/>
-      <p:bldP spid="11" grpId="0" animBg="1"/>
-      <p:bldP spid="11" grpId="1" animBg="1"/>
-      <p:bldP spid="12" grpId="0" animBg="1"/>
-      <p:bldP spid="12" grpId="1" animBg="1"/>
-      <p:bldP spid="13" grpId="0" animBg="1"/>
-    </p:bldLst>
   </p:timing>
 </p:sld>
 </file>
@@ -20536,51 +19550,6 @@
               </a:rPr>
               <a:t>Восстановить состояние с контрольной точки.</a:t>
             </a:r>
-          </a:p>
-          <a:p>
-            <a:pPr marL="457200" lvl="0" indent="-317500">
-              <a:lnSpc>
-                <a:spcPct val="200000"/>
-              </a:lnSpc>
-              <a:buClr>
-                <a:srgbClr val="FFFFFF"/>
-              </a:buClr>
-              <a:buSzPts val="1400"/>
-              <a:buFont typeface="Helvetica Neue"/>
-              <a:buChar char="●"/>
-            </a:pPr>
-            <a:r>
-              <a:rPr lang="ru-RU" sz="1800" dirty="0" smtClean="0">
-                <a:solidFill>
-                  <a:schemeClr val="accent2"/>
-                </a:solidFill>
-                <a:latin typeface="Helvetica Neue"/>
-                <a:ea typeface="Helvetica Neue"/>
-                <a:cs typeface="Helvetica Neue"/>
-                <a:sym typeface="Helvetica Neue"/>
-              </a:rPr>
-              <a:t>Перевыполнить часть работы.</a:t>
-            </a:r>
-          </a:p>
-          <a:p>
-            <a:pPr marL="139700" lvl="0">
-              <a:lnSpc>
-                <a:spcPct val="200000"/>
-              </a:lnSpc>
-              <a:buClr>
-                <a:srgbClr val="FFFFFF"/>
-              </a:buClr>
-              <a:buSzPts val="1400"/>
-            </a:pPr>
-            <a:endParaRPr lang="ru-RU" sz="1800" dirty="0" smtClean="0">
-              <a:solidFill>
-                <a:schemeClr val="accent2"/>
-              </a:solidFill>
-              <a:latin typeface="Helvetica Neue"/>
-              <a:ea typeface="Helvetica Neue"/>
-              <a:cs typeface="Helvetica Neue"/>
-              <a:sym typeface="Helvetica Neue"/>
-            </a:endParaRPr>
           </a:p>
         </p:txBody>
       </p:sp>
@@ -21947,20 +20916,7 @@
                 <a:sym typeface="Helvetica Neue"/>
                 <a:hlinkClick r:id="rId4"/>
               </a:rPr>
-              <a:t>Postmortem </a:t>
-            </a:r>
-            <a:r>
-              <a:rPr lang="ru" sz="1800" dirty="0" smtClean="0">
-                <a:solidFill>
-                  <a:srgbClr val="FFFFFF"/>
-                </a:solidFill>
-                <a:latin typeface="Helvetica Neue"/>
-                <a:ea typeface="Helvetica Neue"/>
-                <a:cs typeface="Helvetica Neue"/>
-                <a:sym typeface="Helvetica Neue"/>
-                <a:hlinkClick r:id="rId4"/>
-              </a:rPr>
-              <a:t>Culture от Google</a:t>
+              <a:t>Postmortem Culture от Google</a:t>
             </a:r>
             <a:endParaRPr lang="ru" sz="1800" dirty="0">
               <a:solidFill>
@@ -22466,6 +21422,40 @@
               </a:buClr>
             </a:pPr>
             <a:r>
+              <a:rPr lang="ru" dirty="0" smtClean="0">
+                <a:solidFill>
+                  <a:schemeClr val="accent2"/>
+                </a:solidFill>
+                <a:latin typeface="Helvetica Neue"/>
+                <a:ea typeface="Helvetica Neue"/>
+                <a:cs typeface="Helvetica Neue"/>
+                <a:sym typeface="Helvetica Neue"/>
+              </a:rPr>
+              <a:t>Общие принципы (от микросервиса до монолита)</a:t>
+            </a:r>
+          </a:p>
+          <a:p>
+            <a:pPr>
+              <a:lnSpc>
+                <a:spcPct val="150000"/>
+              </a:lnSpc>
+              <a:buClr>
+                <a:srgbClr val="F3F3F3"/>
+              </a:buClr>
+            </a:pPr>
+            <a:r>
+              <a:rPr lang="ru" dirty="0" smtClean="0">
+                <a:solidFill>
+                  <a:schemeClr val="accent2"/>
+                </a:solidFill>
+                <a:latin typeface="Helvetica Neue"/>
+                <a:ea typeface="Helvetica Neue"/>
+                <a:cs typeface="Helvetica Neue"/>
+                <a:sym typeface="Helvetica Neue"/>
+              </a:rPr>
+              <a:t>Поговорим </a:t>
+            </a:r>
+            <a:r>
               <a:rPr lang="ru" dirty="0">
                 <a:solidFill>
                   <a:schemeClr val="accent2"/>
@@ -22475,7 +21465,7 @@
                 <a:cs typeface="Helvetica Neue"/>
                 <a:sym typeface="Helvetica Neue"/>
               </a:rPr>
-              <a:t>Поговорим про подходы, не про инструменты.</a:t>
+              <a:t>про подходы, не про инструменты.</a:t>
             </a:r>
             <a:endParaRPr dirty="0">
               <a:solidFill>
